--- a/cceug8 optimum.pptx
+++ b/cceug8 optimum.pptx
@@ -5,10 +5,10 @@
     <p:sldMasterId id="2147483648" r:id="rId1"/>
   </p:sldMasterIdLst>
   <p:notesMasterIdLst>
-    <p:notesMasterId r:id="rId52"/>
+    <p:notesMasterId r:id="rId56"/>
   </p:notesMasterIdLst>
   <p:handoutMasterIdLst>
-    <p:handoutMasterId r:id="rId53"/>
+    <p:handoutMasterId r:id="rId57"/>
   </p:handoutMasterIdLst>
   <p:sldIdLst>
     <p:sldId id="257" r:id="rId2"/>
@@ -28,39 +28,43 @@
     <p:sldId id="332" r:id="rId16"/>
     <p:sldId id="328" r:id="rId17"/>
     <p:sldId id="341" r:id="rId18"/>
-    <p:sldId id="306" r:id="rId19"/>
-    <p:sldId id="319" r:id="rId20"/>
-    <p:sldId id="323" r:id="rId21"/>
-    <p:sldId id="320" r:id="rId22"/>
-    <p:sldId id="324" r:id="rId23"/>
-    <p:sldId id="325" r:id="rId24"/>
-    <p:sldId id="334" r:id="rId25"/>
-    <p:sldId id="346" r:id="rId26"/>
-    <p:sldId id="326" r:id="rId27"/>
-    <p:sldId id="327" r:id="rId28"/>
-    <p:sldId id="311" r:id="rId29"/>
-    <p:sldId id="354" r:id="rId30"/>
-    <p:sldId id="339" r:id="rId31"/>
-    <p:sldId id="353" r:id="rId32"/>
-    <p:sldId id="340" r:id="rId33"/>
-    <p:sldId id="344" r:id="rId34"/>
-    <p:sldId id="256" r:id="rId35"/>
-    <p:sldId id="342" r:id="rId36"/>
-    <p:sldId id="278" r:id="rId37"/>
-    <p:sldId id="347" r:id="rId38"/>
-    <p:sldId id="349" r:id="rId39"/>
-    <p:sldId id="348" r:id="rId40"/>
-    <p:sldId id="356" r:id="rId41"/>
-    <p:sldId id="357" r:id="rId42"/>
-    <p:sldId id="258" r:id="rId43"/>
-    <p:sldId id="280" r:id="rId44"/>
-    <p:sldId id="274" r:id="rId45"/>
-    <p:sldId id="275" r:id="rId46"/>
-    <p:sldId id="350" r:id="rId47"/>
-    <p:sldId id="351" r:id="rId48"/>
-    <p:sldId id="277" r:id="rId49"/>
-    <p:sldId id="352" r:id="rId50"/>
-    <p:sldId id="281" r:id="rId51"/>
+    <p:sldId id="314" r:id="rId19"/>
+    <p:sldId id="316" r:id="rId20"/>
+    <p:sldId id="317" r:id="rId21"/>
+    <p:sldId id="358" r:id="rId22"/>
+    <p:sldId id="306" r:id="rId23"/>
+    <p:sldId id="319" r:id="rId24"/>
+    <p:sldId id="323" r:id="rId25"/>
+    <p:sldId id="320" r:id="rId26"/>
+    <p:sldId id="324" r:id="rId27"/>
+    <p:sldId id="325" r:id="rId28"/>
+    <p:sldId id="334" r:id="rId29"/>
+    <p:sldId id="346" r:id="rId30"/>
+    <p:sldId id="326" r:id="rId31"/>
+    <p:sldId id="327" r:id="rId32"/>
+    <p:sldId id="311" r:id="rId33"/>
+    <p:sldId id="354" r:id="rId34"/>
+    <p:sldId id="339" r:id="rId35"/>
+    <p:sldId id="353" r:id="rId36"/>
+    <p:sldId id="340" r:id="rId37"/>
+    <p:sldId id="344" r:id="rId38"/>
+    <p:sldId id="256" r:id="rId39"/>
+    <p:sldId id="342" r:id="rId40"/>
+    <p:sldId id="278" r:id="rId41"/>
+    <p:sldId id="347" r:id="rId42"/>
+    <p:sldId id="349" r:id="rId43"/>
+    <p:sldId id="348" r:id="rId44"/>
+    <p:sldId id="356" r:id="rId45"/>
+    <p:sldId id="357" r:id="rId46"/>
+    <p:sldId id="258" r:id="rId47"/>
+    <p:sldId id="280" r:id="rId48"/>
+    <p:sldId id="274" r:id="rId49"/>
+    <p:sldId id="275" r:id="rId50"/>
+    <p:sldId id="350" r:id="rId51"/>
+    <p:sldId id="351" r:id="rId52"/>
+    <p:sldId id="277" r:id="rId53"/>
+    <p:sldId id="352" r:id="rId54"/>
+    <p:sldId id="281" r:id="rId55"/>
   </p:sldIdLst>
   <p:sldSz cx="9144000" cy="6858000" type="screen4x3"/>
   <p:notesSz cx="6772275" cy="9902825"/>
@@ -1386,7 +1390,7 @@
             <a:fld id="{046BEC2C-5826-40BC-AD9F-CE8D3ACD3A26}" type="slidenum">
               <a:rPr lang="en-US" smtClean="0"/>
               <a:pPr/>
-              <a:t>18</a:t>
+              <a:t>22</a:t>
             </a:fld>
             <a:endParaRPr lang="en-US"/>
           </a:p>
@@ -1478,7 +1482,7 @@
             <a:fld id="{E4253796-338C-4A13-AD33-5F55903F17B1}" type="slidenum">
               <a:rPr lang="en-US" smtClean="0"/>
               <a:pPr/>
-              <a:t>19</a:t>
+              <a:t>23</a:t>
             </a:fld>
             <a:endParaRPr lang="en-US"/>
           </a:p>
@@ -1570,7 +1574,7 @@
             <a:fld id="{046BEC2C-5826-40BC-AD9F-CE8D3ACD3A26}" type="slidenum">
               <a:rPr lang="en-US" smtClean="0"/>
               <a:pPr/>
-              <a:t>20</a:t>
+              <a:t>24</a:t>
             </a:fld>
             <a:endParaRPr lang="en-US"/>
           </a:p>
@@ -1662,7 +1666,7 @@
             <a:fld id="{AEA97BF0-F212-42E9-9044-F8B00E62B754}" type="slidenum">
               <a:rPr lang="en-US" smtClean="0"/>
               <a:pPr/>
-              <a:t>21</a:t>
+              <a:t>25</a:t>
             </a:fld>
             <a:endParaRPr lang="en-US"/>
           </a:p>
@@ -1828,7 +1832,7 @@
             <a:fld id="{046BEC2C-5826-40BC-AD9F-CE8D3ACD3A26}" type="slidenum">
               <a:rPr lang="en-US" smtClean="0"/>
               <a:pPr/>
-              <a:t>25</a:t>
+              <a:t>29</a:t>
             </a:fld>
             <a:endParaRPr lang="en-US"/>
           </a:p>
@@ -2009,7 +2013,7 @@
             <a:fld id="{7C78773E-8E6A-44F2-BDE2-756F589D522E}" type="slidenum">
               <a:rPr lang="en-US" smtClean="0"/>
               <a:pPr/>
-              <a:t>26</a:t>
+              <a:t>30</a:t>
             </a:fld>
             <a:endParaRPr lang="en-US"/>
           </a:p>
@@ -2101,7 +2105,7 @@
             <a:fld id="{15F3C405-1053-42D5-92C0-BBF5A31BBA14}" type="slidenum">
               <a:rPr lang="en-US" smtClean="0"/>
               <a:pPr/>
-              <a:t>27</a:t>
+              <a:t>31</a:t>
             </a:fld>
             <a:endParaRPr lang="en-US"/>
           </a:p>
@@ -2193,7 +2197,7 @@
             <a:fld id="{D9AD365D-993F-4402-BE6E-B57027296E30}" type="slidenum">
               <a:rPr lang="en-US" smtClean="0"/>
               <a:pPr/>
-              <a:t>28</a:t>
+              <a:t>32</a:t>
             </a:fld>
             <a:endParaRPr lang="en-US"/>
           </a:p>
@@ -2285,7 +2289,7 @@
             <a:fld id="{D9AD365D-993F-4402-BE6E-B57027296E30}" type="slidenum">
               <a:rPr lang="en-US" smtClean="0"/>
               <a:pPr/>
-              <a:t>30</a:t>
+              <a:t>34</a:t>
             </a:fld>
             <a:endParaRPr lang="en-US"/>
           </a:p>
@@ -2377,7 +2381,7 @@
             <a:fld id="{D9AD365D-993F-4402-BE6E-B57027296E30}" type="slidenum">
               <a:rPr lang="en-US" smtClean="0"/>
               <a:pPr/>
-              <a:t>32</a:t>
+              <a:t>36</a:t>
             </a:fld>
             <a:endParaRPr lang="en-US"/>
           </a:p>
@@ -2469,7 +2473,7 @@
             <a:fld id="{B157B574-31DD-41BB-9D92-4F5CAD36EEAA}" type="slidenum">
               <a:rPr lang="en-US" smtClean="0"/>
               <a:pPr/>
-              <a:t>33</a:t>
+              <a:t>37</a:t>
             </a:fld>
             <a:endParaRPr lang="en-US"/>
           </a:p>
@@ -6990,13 +6994,13 @@
                         </m:sSubPr>
                         <m:e>
                           <m:r>
-                            <a:rPr lang="en-GB" sz="2800" i="1">
+                            <a:rPr lang="en-US" sz="2800" b="0" i="1" smtClean="0">
                               <a:solidFill>
                                 <a:srgbClr val="000000"/>
                               </a:solidFill>
                               <a:latin typeface="Cambria Math" panose="02040503050406030204" pitchFamily="18" charset="0"/>
                             </a:rPr>
-                            <m:t>𝑀</m:t>
+                            <m:t>𝐿</m:t>
                           </m:r>
                         </m:e>
                         <m:sub>
@@ -7042,13 +7046,13 @@
                         </m:sSubPr>
                         <m:e>
                           <m:r>
-                            <a:rPr lang="en-GB" sz="2800" i="1">
+                            <a:rPr lang="en-US" sz="2800" b="0" i="1" smtClean="0">
                               <a:solidFill>
                                 <a:srgbClr val="000000"/>
                               </a:solidFill>
                               <a:latin typeface="Cambria Math" panose="02040503050406030204" pitchFamily="18" charset="0"/>
                             </a:rPr>
-                            <m:t>𝑀</m:t>
+                            <m:t>𝐿</m:t>
                           </m:r>
                         </m:e>
                         <m:sub>
@@ -7094,13 +7098,13 @@
                         </m:sSubPr>
                         <m:e>
                           <m:r>
-                            <a:rPr lang="en-GB" sz="2800" i="1">
+                            <a:rPr lang="en-US" sz="2800" b="0" i="1" smtClean="0">
                               <a:solidFill>
                                 <a:srgbClr val="000000"/>
                               </a:solidFill>
                               <a:latin typeface="Cambria Math" panose="02040503050406030204" pitchFamily="18" charset="0"/>
                             </a:rPr>
-                            <m:t>𝐸</m:t>
+                            <m:t>𝑀</m:t>
                           </m:r>
                         </m:e>
                         <m:sub>
@@ -7163,13 +7167,13 @@
                         </m:sSubPr>
                         <m:e>
                           <m:r>
-                            <a:rPr lang="en-GB" sz="2800" i="1">
+                            <a:rPr lang="en-US" sz="2800" b="0" i="1" smtClean="0">
                               <a:solidFill>
                                 <a:srgbClr val="000000"/>
                               </a:solidFill>
                               <a:latin typeface="Cambria Math" panose="02040503050406030204" pitchFamily="18" charset="0"/>
                             </a:rPr>
-                            <m:t>𝑀</m:t>
+                            <m:t>𝐿</m:t>
                           </m:r>
                         </m:e>
                         <m:sub>
@@ -7206,16 +7210,25 @@
                         </m:sSubPr>
                         <m:e>
                           <m:r>
+                            <a:rPr lang="en-US" sz="2800" b="0" i="1" smtClean="0">
+                              <a:solidFill>
+                                <a:srgbClr val="000000"/>
+                              </a:solidFill>
+                              <a:latin typeface="Cambria Math" panose="02040503050406030204" pitchFamily="18" charset="0"/>
+                            </a:rPr>
+                            <m:t>𝐿</m:t>
+                          </m:r>
+                        </m:e>
+                        <m:sub>
+                          <m:r>
                             <a:rPr lang="en-GB" sz="2800" i="1">
                               <a:solidFill>
                                 <a:srgbClr val="000000"/>
                               </a:solidFill>
                               <a:latin typeface="Cambria Math" panose="02040503050406030204" pitchFamily="18" charset="0"/>
                             </a:rPr>
-                            <m:t>𝑀</m:t>
-                          </m:r>
-                        </m:e>
-                        <m:sub>
+                            <m:t>𝑡</m:t>
+                          </m:r>
                           <m:r>
                             <a:rPr lang="en-GB" sz="2800" i="1">
                               <a:solidFill>
@@ -7223,147 +7236,148 @@
                               </a:solidFill>
                               <a:latin typeface="Cambria Math" panose="02040503050406030204" pitchFamily="18" charset="0"/>
                             </a:rPr>
-                            <m:t>𝑡</m:t>
-                          </m:r>
-                          <m:r>
-                            <a:rPr lang="en-GB" sz="2800" i="1">
-                              <a:solidFill>
-                                <a:srgbClr val="000000"/>
-                              </a:solidFill>
-                              <a:latin typeface="Cambria Math" panose="02040503050406030204" pitchFamily="18" charset="0"/>
-                            </a:rPr>
                             <m:t>−1</m:t>
                           </m:r>
                         </m:sub>
                       </m:sSub>
                     </m:oMath>
-                    <m:oMath xmlns:m="http://schemas.openxmlformats.org/officeDocument/2006/math">
-                      <m:r>
-                        <a:rPr lang="en-GB" sz="2800" i="1">
-                          <a:solidFill>
-                            <a:srgbClr val="000000"/>
-                          </a:solidFill>
-                          <a:latin typeface="Cambria Math" panose="02040503050406030204" pitchFamily="18" charset="0"/>
-                        </a:rPr>
-                        <m:t>𝑀</m:t>
-                      </m:r>
-                      <m:r>
-                        <a:rPr lang="en-GB" sz="2800" i="1">
-                          <a:solidFill>
-                            <a:srgbClr val="000000"/>
-                          </a:solidFill>
-                          <a:latin typeface="Cambria Math" panose="02040503050406030204" pitchFamily="18" charset="0"/>
-                        </a:rPr>
-                        <m:t>=</m:t>
-                      </m:r>
-                      <m:r>
-                        <a:rPr lang="en-GB" sz="2800" i="1">
-                          <a:solidFill>
-                            <a:srgbClr val="000000"/>
-                          </a:solidFill>
-                          <a:latin typeface="Cambria Math" panose="02040503050406030204" pitchFamily="18" charset="0"/>
-                        </a:rPr>
-                        <m:t>𝛿</m:t>
-                      </m:r>
-                      <m:r>
-                        <a:rPr lang="en-GB" sz="2800" i="1">
-                          <a:solidFill>
-                            <a:srgbClr val="000000"/>
-                          </a:solidFill>
-                          <a:latin typeface="Cambria Math" panose="02040503050406030204" pitchFamily="18" charset="0"/>
-                        </a:rPr>
-                        <m:t>𝑀</m:t>
-                      </m:r>
-                      <m:r>
-                        <a:rPr lang="en-GB" sz="2800" i="1">
-                          <a:solidFill>
-                            <a:srgbClr val="000000"/>
-                          </a:solidFill>
-                          <a:latin typeface="Cambria Math" panose="02040503050406030204" pitchFamily="18" charset="0"/>
-                        </a:rPr>
-                        <m:t>+</m:t>
-                      </m:r>
-                      <m:r>
-                        <a:rPr lang="en-GB" sz="2800" i="1">
-                          <a:solidFill>
-                            <a:srgbClr val="000000"/>
-                          </a:solidFill>
-                          <a:latin typeface="Cambria Math" panose="02040503050406030204" pitchFamily="18" charset="0"/>
-                        </a:rPr>
-                        <m:t>𝐸</m:t>
-                      </m:r>
-                      <m:r>
-                        <a:rPr lang="en-GB" sz="2800" i="1">
-                          <a:solidFill>
-                            <a:srgbClr val="000000"/>
-                          </a:solidFill>
-                          <a:latin typeface="Cambria Math" panose="02040503050406030204" pitchFamily="18" charset="0"/>
-                        </a:rPr>
-                        <m:t>⇔</m:t>
-                      </m:r>
-                      <m:r>
-                        <a:rPr lang="en-GB" sz="2800" i="1">
-                          <a:solidFill>
-                            <a:srgbClr val="000000"/>
-                          </a:solidFill>
-                          <a:latin typeface="Cambria Math" panose="02040503050406030204" pitchFamily="18" charset="0"/>
-                        </a:rPr>
-                        <m:t>𝑀</m:t>
-                      </m:r>
-                      <m:r>
-                        <a:rPr lang="en-GB" sz="2800" i="1">
-                          <a:solidFill>
-                            <a:srgbClr val="000000"/>
-                          </a:solidFill>
-                          <a:latin typeface="Cambria Math" panose="02040503050406030204" pitchFamily="18" charset="0"/>
-                        </a:rPr>
-                        <m:t>=</m:t>
-                      </m:r>
-                      <m:f>
-                        <m:fPr>
-                          <m:ctrlPr>
-                            <a:rPr lang="en-GB" sz="2800" i="1">
-                              <a:solidFill>
-                                <a:srgbClr val="000000"/>
-                              </a:solidFill>
-                              <a:latin typeface="Cambria Math" panose="02040503050406030204" pitchFamily="18" charset="0"/>
-                            </a:rPr>
-                          </m:ctrlPr>
-                        </m:fPr>
-                        <m:num>
-                          <m:r>
-                            <a:rPr lang="en-GB" sz="2800" i="1">
-                              <a:solidFill>
-                                <a:srgbClr val="000000"/>
-                              </a:solidFill>
-                              <a:latin typeface="Cambria Math" panose="02040503050406030204" pitchFamily="18" charset="0"/>
-                            </a:rPr>
-                            <m:t>𝐸</m:t>
-                          </m:r>
-                        </m:num>
-                        <m:den>
-                          <m:r>
-                            <a:rPr lang="en-GB" sz="2800" i="1">
-                              <a:solidFill>
-                                <a:srgbClr val="000000"/>
-                              </a:solidFill>
-                              <a:latin typeface="Cambria Math" panose="02040503050406030204" pitchFamily="18" charset="0"/>
-                            </a:rPr>
-                            <m:t>1−</m:t>
-                          </m:r>
-                          <m:r>
-                            <a:rPr lang="en-GB" sz="2800" i="1">
-                              <a:solidFill>
-                                <a:srgbClr val="000000"/>
-                              </a:solidFill>
-                              <a:latin typeface="Cambria Math" panose="02040503050406030204" pitchFamily="18" charset="0"/>
-                            </a:rPr>
-                            <m:t>𝛿</m:t>
-                          </m:r>
-                        </m:den>
-                      </m:f>
-                    </m:oMath>
                   </m:oMathPara>
+                </a14:m>
+                <a:br>
+                  <a:rPr lang="en-GB" sz="2800" i="1" dirty="0">
+                    <a:solidFill>
+                      <a:srgbClr val="000000"/>
+                    </a:solidFill>
+                    <a:latin typeface="Cambria Math" panose="02040503050406030204" pitchFamily="18" charset="0"/>
+                  </a:rPr>
+                </a:br>
+                <a:r>
+                  <a:rPr lang="en-GB" sz="2800" i="1" dirty="0">
+                    <a:solidFill>
+                      <a:srgbClr val="000000"/>
+                    </a:solidFill>
+                    <a:latin typeface="Cambria Math" panose="02040503050406030204" pitchFamily="18" charset="0"/>
+                  </a:rPr>
+                  <a:t>L</a:t>
+                </a:r>
+                <a14:m>
+                  <m:oMath xmlns:m="http://schemas.openxmlformats.org/officeDocument/2006/math">
+                    <m:r>
+                      <a:rPr lang="en-GB" sz="2800" i="1">
+                        <a:solidFill>
+                          <a:srgbClr val="000000"/>
+                        </a:solidFill>
+                        <a:latin typeface="Cambria Math" panose="02040503050406030204" pitchFamily="18" charset="0"/>
+                      </a:rPr>
+                      <m:t>=</m:t>
+                    </m:r>
+                    <m:r>
+                      <a:rPr lang="en-GB" sz="2800" i="1">
+                        <a:solidFill>
+                          <a:srgbClr val="000000"/>
+                        </a:solidFill>
+                        <a:latin typeface="Cambria Math" panose="02040503050406030204" pitchFamily="18" charset="0"/>
+                      </a:rPr>
+                      <m:t>𝛿</m:t>
+                    </m:r>
+                    <m:r>
+                      <a:rPr lang="en-US" sz="2800" b="0" i="1" smtClean="0">
+                        <a:solidFill>
+                          <a:srgbClr val="000000"/>
+                        </a:solidFill>
+                        <a:latin typeface="Cambria Math" panose="02040503050406030204" pitchFamily="18" charset="0"/>
+                      </a:rPr>
+                      <m:t>𝐿</m:t>
+                    </m:r>
+                    <m:r>
+                      <a:rPr lang="en-GB" sz="2800" i="1">
+                        <a:solidFill>
+                          <a:srgbClr val="000000"/>
+                        </a:solidFill>
+                        <a:latin typeface="Cambria Math" panose="02040503050406030204" pitchFamily="18" charset="0"/>
+                      </a:rPr>
+                      <m:t>+</m:t>
+                    </m:r>
+                    <m:r>
+                      <a:rPr lang="en-US" sz="2800" b="0" i="1" smtClean="0">
+                        <a:solidFill>
+                          <a:srgbClr val="000000"/>
+                        </a:solidFill>
+                        <a:latin typeface="Cambria Math" panose="02040503050406030204" pitchFamily="18" charset="0"/>
+                      </a:rPr>
+                      <m:t>𝑀</m:t>
+                    </m:r>
+                    <m:r>
+                      <a:rPr lang="en-GB" sz="2800" i="1">
+                        <a:solidFill>
+                          <a:srgbClr val="000000"/>
+                        </a:solidFill>
+                        <a:latin typeface="Cambria Math" panose="02040503050406030204" pitchFamily="18" charset="0"/>
+                      </a:rPr>
+                      <m:t>⇔</m:t>
+                    </m:r>
+                    <m:r>
+                      <a:rPr lang="en-US" sz="2800" b="0" i="1" smtClean="0">
+                        <a:solidFill>
+                          <a:srgbClr val="000000"/>
+                        </a:solidFill>
+                        <a:latin typeface="Cambria Math" panose="02040503050406030204" pitchFamily="18" charset="0"/>
+                      </a:rPr>
+                      <m:t>𝐿</m:t>
+                    </m:r>
+                    <m:r>
+                      <a:rPr lang="en-GB" sz="2800" i="1">
+                        <a:solidFill>
+                          <a:srgbClr val="000000"/>
+                        </a:solidFill>
+                        <a:latin typeface="Cambria Math" panose="02040503050406030204" pitchFamily="18" charset="0"/>
+                      </a:rPr>
+                      <m:t>=</m:t>
+                    </m:r>
+                    <m:f>
+                      <m:fPr>
+                        <m:ctrlPr>
+                          <a:rPr lang="en-GB" sz="2800" i="1">
+                            <a:solidFill>
+                              <a:srgbClr val="000000"/>
+                            </a:solidFill>
+                            <a:latin typeface="Cambria Math" panose="02040503050406030204" pitchFamily="18" charset="0"/>
+                          </a:rPr>
+                        </m:ctrlPr>
+                      </m:fPr>
+                      <m:num>
+                        <m:r>
+                          <a:rPr lang="en-US" sz="2800" b="0" i="1" smtClean="0">
+                            <a:solidFill>
+                              <a:srgbClr val="000000"/>
+                            </a:solidFill>
+                            <a:latin typeface="Cambria Math" panose="02040503050406030204" pitchFamily="18" charset="0"/>
+                          </a:rPr>
+                          <m:t>𝑀</m:t>
+                        </m:r>
+                      </m:num>
+                      <m:den>
+                        <m:r>
+                          <a:rPr lang="en-GB" sz="2800" i="1">
+                            <a:solidFill>
+                              <a:srgbClr val="000000"/>
+                            </a:solidFill>
+                            <a:latin typeface="Cambria Math" panose="02040503050406030204" pitchFamily="18" charset="0"/>
+                          </a:rPr>
+                          <m:t>1−</m:t>
+                        </m:r>
+                        <m:r>
+                          <a:rPr lang="en-GB" sz="2800" i="1">
+                            <a:solidFill>
+                              <a:srgbClr val="000000"/>
+                            </a:solidFill>
+                            <a:latin typeface="Cambria Math" panose="02040503050406030204" pitchFamily="18" charset="0"/>
+                          </a:rPr>
+                          <m:t>𝛿</m:t>
+                        </m:r>
+                      </m:den>
+                    </m:f>
+                  </m:oMath>
                 </a14:m>
                 <a:endParaRPr lang="en-GB" dirty="0"/>
               </a:p>
@@ -7390,7 +7404,7 @@
               <a:blipFill>
                 <a:blip r:embed="rId3"/>
                 <a:stretch>
-                  <a:fillRect/>
+                  <a:fillRect l="-2759"/>
                 </a:stretch>
               </a:blipFill>
             </p:spPr>
@@ -7675,7 +7689,7 @@
                       <m:sSub>
                         <m:sSubPr>
                           <m:ctrlPr>
-                            <a:rPr lang="en-GB" i="1">
+                            <a:rPr lang="en-GB" i="1" smtClean="0">
                               <a:solidFill>
                                 <a:srgbClr val="000000"/>
                               </a:solidFill>
@@ -7685,13 +7699,13 @@
                         </m:sSubPr>
                         <m:e>
                           <m:r>
-                            <a:rPr lang="en-GB" i="1">
+                            <a:rPr lang="en-US" b="0" i="1" smtClean="0">
                               <a:solidFill>
                                 <a:srgbClr val="000000"/>
                               </a:solidFill>
                               <a:latin typeface="Cambria Math" panose="02040503050406030204" pitchFamily="18" charset="0"/>
                             </a:rPr>
-                            <m:t>𝑀</m:t>
+                            <m:t>𝐿</m:t>
                           </m:r>
                         </m:e>
                         <m:sub>
@@ -7772,13 +7786,13 @@
                             </m:sSubPr>
                             <m:e>
                               <m:r>
-                                <a:rPr lang="en-GB" i="1">
+                                <a:rPr lang="en-US" b="0" i="1" smtClean="0">
                                   <a:solidFill>
                                     <a:srgbClr val="000000"/>
                                   </a:solidFill>
                                   <a:latin typeface="Cambria Math" panose="02040503050406030204" pitchFamily="18" charset="0"/>
                                 </a:rPr>
-                                <m:t>𝑀</m:t>
+                                <m:t>𝐿</m:t>
                               </m:r>
                             </m:e>
                             <m:sub>
@@ -7828,13 +7842,13 @@
                         </m:sSubPr>
                         <m:e>
                           <m:r>
-                            <a:rPr lang="en-GB" i="1">
+                            <a:rPr lang="en-US" b="0" i="1" smtClean="0">
                               <a:solidFill>
                                 <a:srgbClr val="000000"/>
                               </a:solidFill>
                               <a:latin typeface="Cambria Math" panose="02040503050406030204" pitchFamily="18" charset="0"/>
                             </a:rPr>
-                            <m:t>𝑀</m:t>
+                            <m:t>𝐿</m:t>
                           </m:r>
                         </m:e>
                         <m:sub>
@@ -7923,13 +7937,13 @@
                         </m:sSubPr>
                         <m:e>
                           <m:r>
-                            <a:rPr lang="en-GB" i="1">
+                            <a:rPr lang="en-US" b="0" i="1" smtClean="0">
                               <a:solidFill>
                                 <a:srgbClr val="000000"/>
                               </a:solidFill>
                               <a:latin typeface="Cambria Math" panose="02040503050406030204" pitchFamily="18" charset="0"/>
                             </a:rPr>
-                            <m:t>𝑀</m:t>
+                            <m:t>𝐿</m:t>
                           </m:r>
                         </m:e>
                         <m:sub>
@@ -8027,13 +8041,13 @@
                         </m:sSubPr>
                         <m:e>
                           <m:r>
-                            <a:rPr lang="en-GB" i="1">
+                            <a:rPr lang="en-US" b="0" i="1" smtClean="0">
                               <a:solidFill>
                                 <a:srgbClr val="000000"/>
                               </a:solidFill>
                               <a:latin typeface="Cambria Math" panose="02040503050406030204" pitchFamily="18" charset="0"/>
                             </a:rPr>
-                            <m:t>𝐸</m:t>
+                            <m:t>𝑀</m:t>
                           </m:r>
                         </m:e>
                         <m:sub>
@@ -8465,13 +8479,13 @@
                         <m:t>: </m:t>
                       </m:r>
                       <m:r>
-                        <a:rPr lang="en-GB" i="1">
+                        <a:rPr lang="en-US" b="0" i="1" smtClean="0">
                           <a:solidFill>
                             <a:srgbClr val="000000"/>
                           </a:solidFill>
                           <a:latin typeface="Cambria Math" panose="02040503050406030204" pitchFamily="18" charset="0"/>
                         </a:rPr>
-                        <m:t>𝐸</m:t>
+                        <m:t>𝑀</m:t>
                       </m:r>
                       <m:r>
                         <a:rPr lang="en-GB" i="1">
@@ -8539,7 +8553,7 @@
             </p:nvSpPr>
             <p:spPr bwMode="auto">
               <a:xfrm>
-                <a:off x="4756150" y="4508500"/>
+                <a:off x="1066800" y="4635500"/>
                 <a:ext cx="4279900" cy="1752600"/>
               </a:xfrm>
               <a:prstGeom prst="rect">
@@ -8563,7 +8577,7 @@
                       <m:sSub>
                         <m:sSubPr>
                           <m:ctrlPr>
-                            <a:rPr lang="en-GB" i="1">
+                            <a:rPr lang="en-GB" i="1" smtClean="0">
                               <a:solidFill>
                                 <a:srgbClr val="000000"/>
                               </a:solidFill>
@@ -8573,13 +8587,13 @@
                         </m:sSubPr>
                         <m:e>
                           <m:r>
-                            <a:rPr lang="en-GB" i="1">
+                            <a:rPr lang="en-US" b="0" i="1" smtClean="0">
                               <a:solidFill>
                                 <a:srgbClr val="000000"/>
                               </a:solidFill>
                               <a:latin typeface="Cambria Math" panose="02040503050406030204" pitchFamily="18" charset="0"/>
                             </a:rPr>
-                            <m:t>𝑀</m:t>
+                            <m:t>𝐿</m:t>
                           </m:r>
                         </m:e>
                         <m:sub>
@@ -8625,13 +8639,13 @@
                         </m:sSubPr>
                         <m:e>
                           <m:r>
-                            <a:rPr lang="en-GB" i="1">
+                            <a:rPr lang="en-US" b="0" i="1" smtClean="0">
                               <a:solidFill>
                                 <a:srgbClr val="000000"/>
                               </a:solidFill>
                               <a:latin typeface="Cambria Math" panose="02040503050406030204" pitchFamily="18" charset="0"/>
                             </a:rPr>
-                            <m:t>𝑀</m:t>
+                            <m:t>𝐿</m:t>
                           </m:r>
                         </m:e>
                         <m:sub>
@@ -8677,13 +8691,13 @@
                         </m:sSubPr>
                         <m:e>
                           <m:r>
-                            <a:rPr lang="en-GB" i="1">
+                            <a:rPr lang="en-US" b="0" i="1" smtClean="0">
                               <a:solidFill>
                                 <a:srgbClr val="000000"/>
                               </a:solidFill>
                               <a:latin typeface="Cambria Math" panose="02040503050406030204" pitchFamily="18" charset="0"/>
                             </a:rPr>
-                            <m:t>𝐸</m:t>
+                            <m:t>𝑀</m:t>
                           </m:r>
                         </m:e>
                         <m:sub>
@@ -8746,13 +8760,13 @@
                         </m:sSubPr>
                         <m:e>
                           <m:r>
-                            <a:rPr lang="en-GB" i="1">
+                            <a:rPr lang="en-US" b="0" i="1" smtClean="0">
                               <a:solidFill>
                                 <a:srgbClr val="000000"/>
                               </a:solidFill>
                               <a:latin typeface="Cambria Math" panose="02040503050406030204" pitchFamily="18" charset="0"/>
                             </a:rPr>
-                            <m:t>𝑀</m:t>
+                            <m:t>𝐿</m:t>
                           </m:r>
                         </m:e>
                         <m:sub>
@@ -8789,13 +8803,13 @@
                         </m:sSubPr>
                         <m:e>
                           <m:r>
-                            <a:rPr lang="en-GB" i="1">
+                            <a:rPr lang="en-US" b="0" i="1" smtClean="0">
                               <a:solidFill>
                                 <a:srgbClr val="000000"/>
                               </a:solidFill>
                               <a:latin typeface="Cambria Math" panose="02040503050406030204" pitchFamily="18" charset="0"/>
                             </a:rPr>
-                            <m:t>𝑀</m:t>
+                            <m:t>𝐿</m:t>
                           </m:r>
                         </m:e>
                         <m:sub>
@@ -8820,133 +8834,143 @@
                         </m:sub>
                       </m:sSub>
                     </m:oMath>
-                    <m:oMath xmlns:m="http://schemas.openxmlformats.org/officeDocument/2006/math">
-                      <m:r>
-                        <a:rPr lang="en-GB" i="1">
-                          <a:solidFill>
-                            <a:srgbClr val="000000"/>
-                          </a:solidFill>
-                          <a:latin typeface="Cambria Math" panose="02040503050406030204" pitchFamily="18" charset="0"/>
-                        </a:rPr>
-                        <m:t>𝑀</m:t>
-                      </m:r>
-                      <m:r>
-                        <a:rPr lang="en-GB" i="1">
-                          <a:solidFill>
-                            <a:srgbClr val="000000"/>
-                          </a:solidFill>
-                          <a:latin typeface="Cambria Math" panose="02040503050406030204" pitchFamily="18" charset="0"/>
-                        </a:rPr>
-                        <m:t>=</m:t>
-                      </m:r>
-                      <m:r>
-                        <a:rPr lang="en-GB" i="1">
-                          <a:solidFill>
-                            <a:srgbClr val="000000"/>
-                          </a:solidFill>
-                          <a:latin typeface="Cambria Math" panose="02040503050406030204" pitchFamily="18" charset="0"/>
-                        </a:rPr>
-                        <m:t>𝛿</m:t>
-                      </m:r>
-                      <m:r>
-                        <a:rPr lang="en-GB" i="1">
-                          <a:solidFill>
-                            <a:srgbClr val="000000"/>
-                          </a:solidFill>
-                          <a:latin typeface="Cambria Math" panose="02040503050406030204" pitchFamily="18" charset="0"/>
-                        </a:rPr>
-                        <m:t>𝑀</m:t>
-                      </m:r>
-                      <m:r>
-                        <a:rPr lang="en-GB" i="1">
-                          <a:solidFill>
-                            <a:srgbClr val="000000"/>
-                          </a:solidFill>
-                          <a:latin typeface="Cambria Math" panose="02040503050406030204" pitchFamily="18" charset="0"/>
-                        </a:rPr>
-                        <m:t>+</m:t>
-                      </m:r>
-                      <m:r>
-                        <a:rPr lang="en-GB" i="1">
-                          <a:solidFill>
-                            <a:srgbClr val="000000"/>
-                          </a:solidFill>
-                          <a:latin typeface="Cambria Math" panose="02040503050406030204" pitchFamily="18" charset="0"/>
-                        </a:rPr>
-                        <m:t>𝐸</m:t>
-                      </m:r>
-                      <m:r>
-                        <a:rPr lang="en-GB" i="1">
-                          <a:solidFill>
-                            <a:srgbClr val="000000"/>
-                          </a:solidFill>
-                          <a:latin typeface="Cambria Math" panose="02040503050406030204" pitchFamily="18" charset="0"/>
-                        </a:rPr>
-                        <m:t>⇔</m:t>
-                      </m:r>
-                      <m:r>
-                        <a:rPr lang="en-GB" i="1">
-                          <a:solidFill>
-                            <a:srgbClr val="000000"/>
-                          </a:solidFill>
-                          <a:latin typeface="Cambria Math" panose="02040503050406030204" pitchFamily="18" charset="0"/>
-                        </a:rPr>
-                        <m:t>𝑀</m:t>
-                      </m:r>
-                      <m:r>
-                        <a:rPr lang="en-GB" i="1">
-                          <a:solidFill>
-                            <a:srgbClr val="000000"/>
-                          </a:solidFill>
-                          <a:latin typeface="Cambria Math" panose="02040503050406030204" pitchFamily="18" charset="0"/>
-                        </a:rPr>
-                        <m:t>=</m:t>
-                      </m:r>
-                      <m:f>
-                        <m:fPr>
-                          <m:ctrlPr>
-                            <a:rPr lang="en-GB" i="1">
-                              <a:solidFill>
-                                <a:srgbClr val="000000"/>
-                              </a:solidFill>
-                              <a:latin typeface="Cambria Math" panose="02040503050406030204" pitchFamily="18" charset="0"/>
-                            </a:rPr>
-                          </m:ctrlPr>
-                        </m:fPr>
-                        <m:num>
-                          <m:r>
-                            <a:rPr lang="en-GB" i="1">
-                              <a:solidFill>
-                                <a:srgbClr val="000000"/>
-                              </a:solidFill>
-                              <a:latin typeface="Cambria Math" panose="02040503050406030204" pitchFamily="18" charset="0"/>
-                            </a:rPr>
-                            <m:t>𝐸</m:t>
-                          </m:r>
-                        </m:num>
-                        <m:den>
-                          <m:r>
-                            <a:rPr lang="en-GB" i="1">
-                              <a:solidFill>
-                                <a:srgbClr val="000000"/>
-                              </a:solidFill>
-                              <a:latin typeface="Cambria Math" panose="02040503050406030204" pitchFamily="18" charset="0"/>
-                            </a:rPr>
-                            <m:t>1−</m:t>
-                          </m:r>
-                          <m:r>
-                            <a:rPr lang="en-GB" i="1">
-                              <a:solidFill>
-                                <a:srgbClr val="000000"/>
-                              </a:solidFill>
-                              <a:latin typeface="Cambria Math" panose="02040503050406030204" pitchFamily="18" charset="0"/>
-                            </a:rPr>
-                            <m:t>𝛿</m:t>
-                          </m:r>
-                        </m:den>
-                      </m:f>
-                    </m:oMath>
                   </m:oMathPara>
+                </a14:m>
+                <a:br>
+                  <a:rPr lang="en-GB" i="1" dirty="0">
+                    <a:solidFill>
+                      <a:srgbClr val="000000"/>
+                    </a:solidFill>
+                    <a:latin typeface="Cambria Math" panose="02040503050406030204" pitchFamily="18" charset="0"/>
+                  </a:rPr>
+                </a:br>
+                <a:r>
+                  <a:rPr lang="en-GB" i="1" dirty="0">
+                    <a:solidFill>
+                      <a:srgbClr val="000000"/>
+                    </a:solidFill>
+                    <a:latin typeface="Cambria Math" panose="02040503050406030204" pitchFamily="18" charset="0"/>
+                  </a:rPr>
+                  <a:t>L</a:t>
+                </a:r>
+                <a14:m>
+                  <m:oMath xmlns:m="http://schemas.openxmlformats.org/officeDocument/2006/math">
+                    <m:r>
+                      <a:rPr lang="en-GB" i="1">
+                        <a:solidFill>
+                          <a:srgbClr val="000000"/>
+                        </a:solidFill>
+                        <a:latin typeface="Cambria Math" panose="02040503050406030204" pitchFamily="18" charset="0"/>
+                      </a:rPr>
+                      <m:t>=</m:t>
+                    </m:r>
+                    <m:r>
+                      <a:rPr lang="en-GB" i="1">
+                        <a:solidFill>
+                          <a:srgbClr val="000000"/>
+                        </a:solidFill>
+                        <a:latin typeface="Cambria Math" panose="02040503050406030204" pitchFamily="18" charset="0"/>
+                      </a:rPr>
+                      <m:t>𝛿</m:t>
+                    </m:r>
+                    <m:r>
+                      <a:rPr lang="en-US" b="0" i="1" smtClean="0">
+                        <a:solidFill>
+                          <a:srgbClr val="000000"/>
+                        </a:solidFill>
+                        <a:latin typeface="Cambria Math" panose="02040503050406030204" pitchFamily="18" charset="0"/>
+                      </a:rPr>
+                      <m:t>𝐿</m:t>
+                    </m:r>
+                    <m:r>
+                      <a:rPr lang="en-GB" i="1">
+                        <a:solidFill>
+                          <a:srgbClr val="000000"/>
+                        </a:solidFill>
+                        <a:latin typeface="Cambria Math" panose="02040503050406030204" pitchFamily="18" charset="0"/>
+                      </a:rPr>
+                      <m:t>+</m:t>
+                    </m:r>
+                    <m:r>
+                      <a:rPr lang="en-US" b="0" i="1" smtClean="0">
+                        <a:solidFill>
+                          <a:srgbClr val="000000"/>
+                        </a:solidFill>
+                        <a:latin typeface="Cambria Math" panose="02040503050406030204" pitchFamily="18" charset="0"/>
+                      </a:rPr>
+                      <m:t>𝑀</m:t>
+                    </m:r>
+                    <m:r>
+                      <a:rPr lang="en-GB" i="1">
+                        <a:solidFill>
+                          <a:srgbClr val="000000"/>
+                        </a:solidFill>
+                        <a:latin typeface="Cambria Math" panose="02040503050406030204" pitchFamily="18" charset="0"/>
+                      </a:rPr>
+                      <m:t>⇔</m:t>
+                    </m:r>
+                    <m:r>
+                      <a:rPr lang="en-US" b="0" i="1" smtClean="0">
+                        <a:solidFill>
+                          <a:srgbClr val="000000"/>
+                        </a:solidFill>
+                        <a:latin typeface="Cambria Math" panose="02040503050406030204" pitchFamily="18" charset="0"/>
+                      </a:rPr>
+                      <m:t>𝐿</m:t>
+                    </m:r>
+                    <m:r>
+                      <a:rPr lang="en-GB" i="1">
+                        <a:solidFill>
+                          <a:srgbClr val="000000"/>
+                        </a:solidFill>
+                        <a:latin typeface="Cambria Math" panose="02040503050406030204" pitchFamily="18" charset="0"/>
+                      </a:rPr>
+                      <m:t>=</m:t>
+                    </m:r>
+                    <m:f>
+                      <m:fPr>
+                        <m:ctrlPr>
+                          <a:rPr lang="en-GB" i="1">
+                            <a:solidFill>
+                              <a:srgbClr val="000000"/>
+                            </a:solidFill>
+                            <a:latin typeface="Cambria Math" panose="02040503050406030204" pitchFamily="18" charset="0"/>
+                          </a:rPr>
+                        </m:ctrlPr>
+                      </m:fPr>
+                      <m:num>
+                        <m:r>
+                          <a:rPr lang="en-US" b="0" i="1" smtClean="0">
+                            <a:solidFill>
+                              <a:srgbClr val="000000"/>
+                            </a:solidFill>
+                            <a:latin typeface="Cambria Math" panose="02040503050406030204" pitchFamily="18" charset="0"/>
+                          </a:rPr>
+                          <m:t>𝑀</m:t>
+                        </m:r>
+                      </m:num>
+                      <m:den>
+                        <m:r>
+                          <a:rPr lang="en-GB" i="1">
+                            <a:solidFill>
+                              <a:srgbClr val="000000"/>
+                            </a:solidFill>
+                            <a:latin typeface="Cambria Math" panose="02040503050406030204" pitchFamily="18" charset="0"/>
+                          </a:rPr>
+                          <m:t>1−</m:t>
+                        </m:r>
+                        <m:r>
+                          <a:rPr lang="en-GB" i="1">
+                            <a:solidFill>
+                              <a:srgbClr val="000000"/>
+                            </a:solidFill>
+                            <a:latin typeface="Cambria Math" panose="02040503050406030204" pitchFamily="18" charset="0"/>
+                          </a:rPr>
+                          <m:t>𝛿</m:t>
+                        </m:r>
+                      </m:den>
+                    </m:f>
+                  </m:oMath>
                 </a14:m>
                 <a:endParaRPr lang="en-GB" dirty="0"/>
               </a:p>
@@ -8964,7 +8988,7 @@
             </p:nvSpPr>
             <p:spPr bwMode="auto">
               <a:xfrm>
-                <a:off x="4756150" y="4508500"/>
+                <a:off x="1066800" y="4635500"/>
                 <a:ext cx="4279900" cy="1752600"/>
               </a:xfrm>
               <a:prstGeom prst="rect">
@@ -8973,7 +8997,7 @@
               <a:blipFill>
                 <a:blip r:embed="rId4"/>
                 <a:stretch>
-                  <a:fillRect l="-427"/>
+                  <a:fillRect l="-2137"/>
                 </a:stretch>
               </a:blipFill>
             </p:spPr>
@@ -9610,7 +9634,7 @@
           <a:p>
             <a:pPr eaLnBrk="1" hangingPunct="1"/>
             <a:r>
-              <a:rPr lang="en-GB" dirty="0">
+              <a:rPr lang="en-GB" b="1" dirty="0">
                 <a:latin typeface="Candara" panose="020E0502030303020204" pitchFamily="34" charset="0"/>
               </a:rPr>
               <a:t>Cost-benefit analysis</a:t>
@@ -9677,6 +9701,451 @@
 </file>
 
 <file path=ppt/slides/slide18.xml><?xml version="1.0" encoding="utf-8"?>
+<p:sld xmlns:a="http://schemas.openxmlformats.org/drawingml/2006/main" xmlns:r="http://schemas.openxmlformats.org/officeDocument/2006/relationships" xmlns:p="http://schemas.openxmlformats.org/presentationml/2006/main">
+  <p:cSld>
+    <p:spTree>
+      <p:nvGrpSpPr>
+        <p:cNvPr id="1" name=""/>
+        <p:cNvGrpSpPr/>
+        <p:nvPr/>
+      </p:nvGrpSpPr>
+      <p:grpSpPr>
+        <a:xfrm>
+          <a:off x="0" y="0"/>
+          <a:ext cx="0" cy="0"/>
+          <a:chOff x="0" y="0"/>
+          <a:chExt cx="0" cy="0"/>
+        </a:xfrm>
+      </p:grpSpPr>
+      <p:pic>
+        <p:nvPicPr>
+          <p:cNvPr id="8194" name="Picture 2"/>
+          <p:cNvPicPr>
+            <a:picLocks noChangeAspect="1" noChangeArrowheads="1"/>
+          </p:cNvPicPr>
+          <p:nvPr/>
+        </p:nvPicPr>
+        <p:blipFill>
+          <a:blip r:embed="rId2" cstate="print"/>
+          <a:srcRect/>
+          <a:stretch>
+            <a:fillRect/>
+          </a:stretch>
+        </p:blipFill>
+        <p:spPr bwMode="auto">
+          <a:xfrm>
+            <a:off x="0" y="0"/>
+            <a:ext cx="9144000" cy="6634163"/>
+          </a:xfrm>
+          <a:prstGeom prst="rect">
+            <a:avLst/>
+          </a:prstGeom>
+          <a:noFill/>
+          <a:ln w="9525">
+            <a:noFill/>
+            <a:miter lim="800000"/>
+            <a:headEnd/>
+            <a:tailEnd/>
+          </a:ln>
+        </p:spPr>
+      </p:pic>
+    </p:spTree>
+  </p:cSld>
+  <p:clrMapOvr>
+    <a:masterClrMapping/>
+  </p:clrMapOvr>
+</p:sld>
+</file>
+
+<file path=ppt/slides/slide19.xml><?xml version="1.0" encoding="utf-8"?>
+<p:sld xmlns:a="http://schemas.openxmlformats.org/drawingml/2006/main" xmlns:r="http://schemas.openxmlformats.org/officeDocument/2006/relationships" xmlns:p="http://schemas.openxmlformats.org/presentationml/2006/main">
+  <p:cSld>
+    <p:spTree>
+      <p:nvGrpSpPr>
+        <p:cNvPr id="1" name=""/>
+        <p:cNvGrpSpPr/>
+        <p:nvPr/>
+      </p:nvGrpSpPr>
+      <p:grpSpPr>
+        <a:xfrm>
+          <a:off x="0" y="0"/>
+          <a:ext cx="0" cy="0"/>
+          <a:chOff x="0" y="0"/>
+          <a:chExt cx="0" cy="0"/>
+        </a:xfrm>
+      </p:grpSpPr>
+      <p:pic>
+        <p:nvPicPr>
+          <p:cNvPr id="9218" name="Picture 2"/>
+          <p:cNvPicPr>
+            <a:picLocks noChangeAspect="1" noChangeArrowheads="1"/>
+          </p:cNvPicPr>
+          <p:nvPr/>
+        </p:nvPicPr>
+        <p:blipFill>
+          <a:blip r:embed="rId2" cstate="print"/>
+          <a:srcRect/>
+          <a:stretch>
+            <a:fillRect/>
+          </a:stretch>
+        </p:blipFill>
+        <p:spPr bwMode="auto">
+          <a:xfrm>
+            <a:off x="0" y="0"/>
+            <a:ext cx="9144000" cy="6634163"/>
+          </a:xfrm>
+          <a:prstGeom prst="rect">
+            <a:avLst/>
+          </a:prstGeom>
+          <a:noFill/>
+          <a:ln w="9525">
+            <a:noFill/>
+            <a:miter lim="800000"/>
+            <a:headEnd/>
+            <a:tailEnd/>
+          </a:ln>
+        </p:spPr>
+      </p:pic>
+    </p:spTree>
+  </p:cSld>
+  <p:clrMapOvr>
+    <a:masterClrMapping/>
+  </p:clrMapOvr>
+</p:sld>
+</file>
+
+<file path=ppt/slides/slide2.xml><?xml version="1.0" encoding="utf-8"?>
+<p:sld xmlns:a="http://schemas.openxmlformats.org/drawingml/2006/main" xmlns:r="http://schemas.openxmlformats.org/officeDocument/2006/relationships" xmlns:p="http://schemas.openxmlformats.org/presentationml/2006/main">
+  <p:cSld>
+    <p:spTree>
+      <p:nvGrpSpPr>
+        <p:cNvPr id="1" name=""/>
+        <p:cNvGrpSpPr/>
+        <p:nvPr/>
+      </p:nvGrpSpPr>
+      <p:grpSpPr>
+        <a:xfrm>
+          <a:off x="0" y="0"/>
+          <a:ext cx="0" cy="0"/>
+          <a:chOff x="0" y="0"/>
+          <a:chExt cx="0" cy="0"/>
+        </a:xfrm>
+      </p:grpSpPr>
+      <p:sp>
+        <p:nvSpPr>
+          <p:cNvPr id="190466" name="Rectangle 2"/>
+          <p:cNvSpPr>
+            <a:spLocks noGrp="1" noChangeArrowheads="1"/>
+          </p:cNvSpPr>
+          <p:nvPr>
+            <p:ph type="title"/>
+          </p:nvPr>
+        </p:nvSpPr>
+        <p:spPr>
+          <a:xfrm>
+            <a:off x="762000" y="-76200"/>
+            <a:ext cx="7772400" cy="1143000"/>
+          </a:xfrm>
+        </p:spPr>
+        <p:txBody>
+          <a:bodyPr/>
+          <a:lstStyle/>
+          <a:p>
+            <a:r>
+              <a:rPr lang="de-DE" sz="3200" dirty="0">
+                <a:latin typeface="Candara" panose="020E0502030303020204" pitchFamily="34" charset="0"/>
+              </a:rPr>
+              <a:t>Lectures</a:t>
+            </a:r>
+            <a:endParaRPr lang="en-GB" sz="3200" dirty="0">
+              <a:latin typeface="Candara" panose="020E0502030303020204" pitchFamily="34" charset="0"/>
+            </a:endParaRPr>
+          </a:p>
+        </p:txBody>
+      </p:sp>
+      <p:sp>
+        <p:nvSpPr>
+          <p:cNvPr id="190467" name="Rectangle 3"/>
+          <p:cNvSpPr>
+            <a:spLocks noGrp="1" noChangeArrowheads="1"/>
+          </p:cNvSpPr>
+          <p:nvPr>
+            <p:ph type="body" idx="1"/>
+          </p:nvPr>
+        </p:nvSpPr>
+        <p:spPr>
+          <a:xfrm>
+            <a:off x="685800" y="838200"/>
+            <a:ext cx="7772400" cy="5486400"/>
+          </a:xfrm>
+        </p:spPr>
+        <p:txBody>
+          <a:bodyPr/>
+          <a:lstStyle/>
+          <a:p>
+            <a:pPr>
+              <a:lnSpc>
+                <a:spcPct val="90000"/>
+              </a:lnSpc>
+            </a:pPr>
+            <a:r>
+              <a:rPr lang="en-US" sz="2800" dirty="0">
+                <a:latin typeface="Candara" panose="020E0502030303020204" pitchFamily="34" charset="0"/>
+              </a:rPr>
+              <a:t>Science</a:t>
+            </a:r>
+          </a:p>
+          <a:p>
+            <a:pPr>
+              <a:lnSpc>
+                <a:spcPct val="90000"/>
+              </a:lnSpc>
+            </a:pPr>
+            <a:r>
+              <a:rPr lang="en-US" sz="2800" dirty="0">
+                <a:latin typeface="Candara" panose="020E0502030303020204" pitchFamily="34" charset="0"/>
+              </a:rPr>
+              <a:t>Scenarios &amp; emission reduction options</a:t>
+            </a:r>
+          </a:p>
+          <a:p>
+            <a:pPr>
+              <a:lnSpc>
+                <a:spcPct val="90000"/>
+              </a:lnSpc>
+            </a:pPr>
+            <a:r>
+              <a:rPr lang="en-US" sz="2800" dirty="0">
+                <a:latin typeface="Candara" panose="020E0502030303020204" pitchFamily="34" charset="0"/>
+              </a:rPr>
+              <a:t>Costs of emission reduction</a:t>
+            </a:r>
+          </a:p>
+          <a:p>
+            <a:pPr>
+              <a:lnSpc>
+                <a:spcPct val="90000"/>
+              </a:lnSpc>
+            </a:pPr>
+            <a:r>
+              <a:rPr lang="en-US" sz="2800" dirty="0">
+                <a:latin typeface="Candara" panose="020E0502030303020204" pitchFamily="34" charset="0"/>
+              </a:rPr>
+              <a:t>Instruments for emission reduction</a:t>
+            </a:r>
+          </a:p>
+          <a:p>
+            <a:pPr>
+              <a:lnSpc>
+                <a:spcPct val="90000"/>
+              </a:lnSpc>
+            </a:pPr>
+            <a:r>
+              <a:rPr lang="en-US" sz="2800" dirty="0">
+                <a:latin typeface="Candara" panose="020E0502030303020204" pitchFamily="34" charset="0"/>
+              </a:rPr>
+              <a:t>Impacts of climate change &amp; adaptation</a:t>
+            </a:r>
+          </a:p>
+          <a:p>
+            <a:pPr>
+              <a:lnSpc>
+                <a:spcPct val="90000"/>
+              </a:lnSpc>
+            </a:pPr>
+            <a:r>
+              <a:rPr lang="en-US" sz="2800" dirty="0">
+                <a:latin typeface="Candara" panose="020E0502030303020204" pitchFamily="34" charset="0"/>
+              </a:rPr>
+              <a:t>Economic impacts of climate change</a:t>
+            </a:r>
+          </a:p>
+          <a:p>
+            <a:pPr>
+              <a:lnSpc>
+                <a:spcPct val="90000"/>
+              </a:lnSpc>
+            </a:pPr>
+            <a:r>
+              <a:rPr lang="en-US" sz="2800" dirty="0">
+                <a:latin typeface="Candara" panose="020E0502030303020204" pitchFamily="34" charset="0"/>
+              </a:rPr>
+              <a:t>Climate and development</a:t>
+            </a:r>
+          </a:p>
+          <a:p>
+            <a:pPr>
+              <a:lnSpc>
+                <a:spcPct val="90000"/>
+              </a:lnSpc>
+            </a:pPr>
+            <a:r>
+              <a:rPr lang="en-US" b="1" dirty="0">
+                <a:latin typeface="Candara" panose="020E0502030303020204" pitchFamily="34" charset="0"/>
+              </a:rPr>
+              <a:t>Optimal emission reduction</a:t>
+            </a:r>
+          </a:p>
+          <a:p>
+            <a:pPr>
+              <a:lnSpc>
+                <a:spcPct val="90000"/>
+              </a:lnSpc>
+            </a:pPr>
+            <a:r>
+              <a:rPr lang="en-US" sz="2800" dirty="0">
+                <a:latin typeface="Candara" panose="020E0502030303020204" pitchFamily="34" charset="0"/>
+              </a:rPr>
+              <a:t>Discounting, uncertainty, equity</a:t>
+            </a:r>
+          </a:p>
+          <a:p>
+            <a:pPr>
+              <a:lnSpc>
+                <a:spcPct val="90000"/>
+              </a:lnSpc>
+            </a:pPr>
+            <a:r>
+              <a:rPr lang="en-US" sz="2800" dirty="0">
+                <a:latin typeface="Candara" panose="020E0502030303020204" pitchFamily="34" charset="0"/>
+              </a:rPr>
+              <a:t>International environmental agreements</a:t>
+            </a:r>
+          </a:p>
+        </p:txBody>
+      </p:sp>
+    </p:spTree>
+  </p:cSld>
+  <p:clrMapOvr>
+    <a:masterClrMapping/>
+  </p:clrMapOvr>
+  <mc:AlternateContent xmlns:mc="http://schemas.openxmlformats.org/markup-compatibility/2006" xmlns:p14="http://schemas.microsoft.com/office/powerpoint/2010/main">
+    <mc:Choice Requires="p14">
+      <p:transition spd="slow" p14:dur="2000" advTm="6530"/>
+    </mc:Choice>
+    <mc:Fallback xmlns="">
+      <p:transition spd="slow" advTm="6530"/>
+    </mc:Fallback>
+  </mc:AlternateContent>
+</p:sld>
+</file>
+
+<file path=ppt/slides/slide20.xml><?xml version="1.0" encoding="utf-8"?>
+<p:sld xmlns:a="http://schemas.openxmlformats.org/drawingml/2006/main" xmlns:r="http://schemas.openxmlformats.org/officeDocument/2006/relationships" xmlns:p="http://schemas.openxmlformats.org/presentationml/2006/main">
+  <p:cSld>
+    <p:spTree>
+      <p:nvGrpSpPr>
+        <p:cNvPr id="1" name=""/>
+        <p:cNvGrpSpPr/>
+        <p:nvPr/>
+      </p:nvGrpSpPr>
+      <p:grpSpPr>
+        <a:xfrm>
+          <a:off x="0" y="0"/>
+          <a:ext cx="0" cy="0"/>
+          <a:chOff x="0" y="0"/>
+          <a:chExt cx="0" cy="0"/>
+        </a:xfrm>
+      </p:grpSpPr>
+      <p:pic>
+        <p:nvPicPr>
+          <p:cNvPr id="22529" name="Picture 1"/>
+          <p:cNvPicPr>
+            <a:picLocks noChangeAspect="1" noChangeArrowheads="1"/>
+          </p:cNvPicPr>
+          <p:nvPr/>
+        </p:nvPicPr>
+        <p:blipFill>
+          <a:blip r:embed="rId2" cstate="print"/>
+          <a:srcRect/>
+          <a:stretch>
+            <a:fillRect/>
+          </a:stretch>
+        </p:blipFill>
+        <p:spPr bwMode="auto">
+          <a:xfrm>
+            <a:off x="0" y="-1"/>
+            <a:ext cx="9144000" cy="6652009"/>
+          </a:xfrm>
+          <a:prstGeom prst="rect">
+            <a:avLst/>
+          </a:prstGeom>
+          <a:noFill/>
+          <a:ln w="9525">
+            <a:noFill/>
+            <a:miter lim="800000"/>
+            <a:headEnd/>
+            <a:tailEnd/>
+          </a:ln>
+          <a:effectLst/>
+        </p:spPr>
+      </p:pic>
+    </p:spTree>
+  </p:cSld>
+  <p:clrMapOvr>
+    <a:masterClrMapping/>
+  </p:clrMapOvr>
+</p:sld>
+</file>
+
+<file path=ppt/slides/slide21.xml><?xml version="1.0" encoding="utf-8"?>
+<p:sld xmlns:a="http://schemas.openxmlformats.org/drawingml/2006/main" xmlns:r="http://schemas.openxmlformats.org/officeDocument/2006/relationships" xmlns:p="http://schemas.openxmlformats.org/presentationml/2006/main">
+  <p:cSld>
+    <p:spTree>
+      <p:nvGrpSpPr>
+        <p:cNvPr id="1" name=""/>
+        <p:cNvGrpSpPr/>
+        <p:nvPr/>
+      </p:nvGrpSpPr>
+      <p:grpSpPr>
+        <a:xfrm>
+          <a:off x="0" y="0"/>
+          <a:ext cx="0" cy="0"/>
+          <a:chOff x="0" y="0"/>
+          <a:chExt cx="0" cy="0"/>
+        </a:xfrm>
+      </p:grpSpPr>
+      <p:pic>
+        <p:nvPicPr>
+          <p:cNvPr id="12290" name="Picture 2"/>
+          <p:cNvPicPr>
+            <a:picLocks noChangeAspect="1" noChangeArrowheads="1"/>
+          </p:cNvPicPr>
+          <p:nvPr/>
+        </p:nvPicPr>
+        <p:blipFill>
+          <a:blip r:embed="rId2" cstate="print"/>
+          <a:srcRect/>
+          <a:stretch>
+            <a:fillRect/>
+          </a:stretch>
+        </p:blipFill>
+        <p:spPr bwMode="auto">
+          <a:xfrm>
+            <a:off x="0" y="0"/>
+            <a:ext cx="9144000" cy="6634163"/>
+          </a:xfrm>
+          <a:prstGeom prst="rect">
+            <a:avLst/>
+          </a:prstGeom>
+          <a:noFill/>
+          <a:ln w="9525">
+            <a:noFill/>
+            <a:miter lim="800000"/>
+            <a:headEnd/>
+            <a:tailEnd/>
+          </a:ln>
+        </p:spPr>
+      </p:pic>
+    </p:spTree>
+  </p:cSld>
+  <p:clrMapOvr>
+    <a:masterClrMapping/>
+  </p:clrMapOvr>
+</p:sld>
+</file>
+
+<file path=ppt/slides/slide22.xml><?xml version="1.0" encoding="utf-8"?>
 <p:sld xmlns:a="http://schemas.openxmlformats.org/drawingml/2006/main" xmlns:r="http://schemas.openxmlformats.org/officeDocument/2006/relationships" xmlns:p="http://schemas.openxmlformats.org/presentationml/2006/main">
   <p:cSld>
     <p:spTree>
@@ -9800,7 +10269,7 @@
 </p:sld>
 </file>
 
-<file path=ppt/slides/slide19.xml><?xml version="1.0" encoding="utf-8"?>
+<file path=ppt/slides/slide23.xml><?xml version="1.0" encoding="utf-8"?>
 <p:sld xmlns:a="http://schemas.openxmlformats.org/drawingml/2006/main" xmlns:r="http://schemas.openxmlformats.org/officeDocument/2006/relationships" xmlns:p="http://schemas.openxmlformats.org/presentationml/2006/main">
   <p:cSld>
     <p:spTree>
@@ -10498,223 +10967,7 @@
 </p:sld>
 </file>
 
-<file path=ppt/slides/slide2.xml><?xml version="1.0" encoding="utf-8"?>
-<p:sld xmlns:a="http://schemas.openxmlformats.org/drawingml/2006/main" xmlns:r="http://schemas.openxmlformats.org/officeDocument/2006/relationships" xmlns:p="http://schemas.openxmlformats.org/presentationml/2006/main">
-  <p:cSld>
-    <p:spTree>
-      <p:nvGrpSpPr>
-        <p:cNvPr id="1" name=""/>
-        <p:cNvGrpSpPr/>
-        <p:nvPr/>
-      </p:nvGrpSpPr>
-      <p:grpSpPr>
-        <a:xfrm>
-          <a:off x="0" y="0"/>
-          <a:ext cx="0" cy="0"/>
-          <a:chOff x="0" y="0"/>
-          <a:chExt cx="0" cy="0"/>
-        </a:xfrm>
-      </p:grpSpPr>
-      <p:sp>
-        <p:nvSpPr>
-          <p:cNvPr id="190466" name="Rectangle 2"/>
-          <p:cNvSpPr>
-            <a:spLocks noGrp="1" noChangeArrowheads="1"/>
-          </p:cNvSpPr>
-          <p:nvPr>
-            <p:ph type="title"/>
-          </p:nvPr>
-        </p:nvSpPr>
-        <p:spPr>
-          <a:xfrm>
-            <a:off x="762000" y="-76200"/>
-            <a:ext cx="7772400" cy="1143000"/>
-          </a:xfrm>
-        </p:spPr>
-        <p:txBody>
-          <a:bodyPr/>
-          <a:lstStyle/>
-          <a:p>
-            <a:r>
-              <a:rPr lang="de-DE" sz="3200" dirty="0">
-                <a:latin typeface="Candara" panose="020E0502030303020204" pitchFamily="34" charset="0"/>
-              </a:rPr>
-              <a:t>Lectures</a:t>
-            </a:r>
-            <a:endParaRPr lang="en-GB" sz="3200" dirty="0">
-              <a:latin typeface="Candara" panose="020E0502030303020204" pitchFamily="34" charset="0"/>
-            </a:endParaRPr>
-          </a:p>
-        </p:txBody>
-      </p:sp>
-      <p:sp>
-        <p:nvSpPr>
-          <p:cNvPr id="190467" name="Rectangle 3"/>
-          <p:cNvSpPr>
-            <a:spLocks noGrp="1" noChangeArrowheads="1"/>
-          </p:cNvSpPr>
-          <p:nvPr>
-            <p:ph type="body" idx="1"/>
-          </p:nvPr>
-        </p:nvSpPr>
-        <p:spPr>
-          <a:xfrm>
-            <a:off x="685800" y="838200"/>
-            <a:ext cx="7772400" cy="5486400"/>
-          </a:xfrm>
-        </p:spPr>
-        <p:txBody>
-          <a:bodyPr/>
-          <a:lstStyle/>
-          <a:p>
-            <a:pPr>
-              <a:lnSpc>
-                <a:spcPct val="90000"/>
-              </a:lnSpc>
-            </a:pPr>
-            <a:r>
-              <a:rPr lang="en-US" sz="2800" dirty="0">
-                <a:latin typeface="Candara" panose="020E0502030303020204" pitchFamily="34" charset="0"/>
-              </a:rPr>
-              <a:t>Science</a:t>
-            </a:r>
-          </a:p>
-          <a:p>
-            <a:pPr>
-              <a:lnSpc>
-                <a:spcPct val="90000"/>
-              </a:lnSpc>
-            </a:pPr>
-            <a:r>
-              <a:rPr lang="en-US" sz="2800" dirty="0">
-                <a:latin typeface="Candara" panose="020E0502030303020204" pitchFamily="34" charset="0"/>
-              </a:rPr>
-              <a:t>Scenarios &amp; emission reduction options</a:t>
-            </a:r>
-          </a:p>
-          <a:p>
-            <a:pPr>
-              <a:lnSpc>
-                <a:spcPct val="90000"/>
-              </a:lnSpc>
-            </a:pPr>
-            <a:r>
-              <a:rPr lang="en-US" sz="2800" dirty="0">
-                <a:latin typeface="Candara" panose="020E0502030303020204" pitchFamily="34" charset="0"/>
-              </a:rPr>
-              <a:t>Costs of emission reduction</a:t>
-            </a:r>
-          </a:p>
-          <a:p>
-            <a:pPr>
-              <a:lnSpc>
-                <a:spcPct val="90000"/>
-              </a:lnSpc>
-            </a:pPr>
-            <a:r>
-              <a:rPr lang="en-US" sz="2800" dirty="0">
-                <a:latin typeface="Candara" panose="020E0502030303020204" pitchFamily="34" charset="0"/>
-              </a:rPr>
-              <a:t>Instruments for emission reduction</a:t>
-            </a:r>
-          </a:p>
-          <a:p>
-            <a:pPr>
-              <a:lnSpc>
-                <a:spcPct val="90000"/>
-              </a:lnSpc>
-            </a:pPr>
-            <a:r>
-              <a:rPr lang="en-US" sz="2800" dirty="0">
-                <a:latin typeface="Candara" panose="020E0502030303020204" pitchFamily="34" charset="0"/>
-              </a:rPr>
-              <a:t>Impacts of climate change &amp; adaptation</a:t>
-            </a:r>
-          </a:p>
-          <a:p>
-            <a:pPr>
-              <a:lnSpc>
-                <a:spcPct val="90000"/>
-              </a:lnSpc>
-            </a:pPr>
-            <a:r>
-              <a:rPr lang="en-US" sz="2800" dirty="0">
-                <a:latin typeface="Candara" panose="020E0502030303020204" pitchFamily="34" charset="0"/>
-              </a:rPr>
-              <a:t>Economic impacts of climate change</a:t>
-            </a:r>
-          </a:p>
-          <a:p>
-            <a:pPr>
-              <a:lnSpc>
-                <a:spcPct val="90000"/>
-              </a:lnSpc>
-            </a:pPr>
-            <a:r>
-              <a:rPr lang="en-US" sz="2800" dirty="0">
-                <a:latin typeface="Candara" panose="020E0502030303020204" pitchFamily="34" charset="0"/>
-              </a:rPr>
-              <a:t>Climate and development</a:t>
-            </a:r>
-          </a:p>
-          <a:p>
-            <a:pPr>
-              <a:lnSpc>
-                <a:spcPct val="90000"/>
-              </a:lnSpc>
-            </a:pPr>
-            <a:r>
-              <a:rPr lang="en-US" b="1" dirty="0">
-                <a:latin typeface="Candara" panose="020E0502030303020204" pitchFamily="34" charset="0"/>
-              </a:rPr>
-              <a:t>Optimal emission reduction</a:t>
-            </a:r>
-          </a:p>
-          <a:p>
-            <a:pPr>
-              <a:lnSpc>
-                <a:spcPct val="90000"/>
-              </a:lnSpc>
-            </a:pPr>
-            <a:r>
-              <a:rPr lang="en-US" sz="2800" dirty="0">
-                <a:latin typeface="Candara" panose="020E0502030303020204" pitchFamily="34" charset="0"/>
-              </a:rPr>
-              <a:t>Discounting, uncertainty, equity</a:t>
-            </a:r>
-          </a:p>
-          <a:p>
-            <a:pPr>
-              <a:lnSpc>
-                <a:spcPct val="90000"/>
-              </a:lnSpc>
-            </a:pPr>
-            <a:r>
-              <a:rPr lang="en-US" sz="2800" dirty="0">
-                <a:latin typeface="Candara" panose="020E0502030303020204" pitchFamily="34" charset="0"/>
-              </a:rPr>
-              <a:t>International environmental agreements</a:t>
-            </a:r>
-          </a:p>
-        </p:txBody>
-      </p:sp>
-    </p:spTree>
-  </p:cSld>
-  <p:clrMapOvr>
-    <a:masterClrMapping/>
-  </p:clrMapOvr>
-  <mc:AlternateContent xmlns:mc="http://schemas.openxmlformats.org/markup-compatibility/2006" xmlns:p14="http://schemas.microsoft.com/office/powerpoint/2010/main">
-    <mc:Choice Requires="p14">
-      <p:transition spd="slow" p14:dur="2000" advTm="6530"/>
-    </mc:Choice>
-    <mc:Fallback xmlns="">
-      <p:transition spd="slow" advTm="6530"/>
-    </mc:Fallback>
-  </mc:AlternateContent>
-</p:sld>
-</file>
-
-<file path=ppt/slides/slide20.xml><?xml version="1.0" encoding="utf-8"?>
+<file path=ppt/slides/slide24.xml><?xml version="1.0" encoding="utf-8"?>
 <p:sld xmlns:a="http://schemas.openxmlformats.org/drawingml/2006/main" xmlns:r="http://schemas.openxmlformats.org/officeDocument/2006/relationships" xmlns:p="http://schemas.openxmlformats.org/presentationml/2006/main">
   <p:cSld>
     <p:spTree>
@@ -10818,7 +11071,7 @@
 </p:sld>
 </file>
 
-<file path=ppt/slides/slide21.xml><?xml version="1.0" encoding="utf-8"?>
+<file path=ppt/slides/slide25.xml><?xml version="1.0" encoding="utf-8"?>
 <p:sld xmlns:a="http://schemas.openxmlformats.org/drawingml/2006/main" xmlns:r="http://schemas.openxmlformats.org/officeDocument/2006/relationships" xmlns:p="http://schemas.openxmlformats.org/presentationml/2006/main">
   <p:cSld>
     <p:spTree>
@@ -12864,7 +13117,7 @@
 </p:sld>
 </file>
 
-<file path=ppt/slides/slide22.xml><?xml version="1.0" encoding="utf-8"?>
+<file path=ppt/slides/slide26.xml><?xml version="1.0" encoding="utf-8"?>
 <p:sld xmlns:a="http://schemas.openxmlformats.org/drawingml/2006/main" xmlns:r="http://schemas.openxmlformats.org/officeDocument/2006/relationships" xmlns:p="http://schemas.openxmlformats.org/presentationml/2006/main">
   <p:cSld>
     <p:spTree>
@@ -12921,7 +13174,7 @@
 </p:sld>
 </file>
 
-<file path=ppt/slides/slide23.xml><?xml version="1.0" encoding="utf-8"?>
+<file path=ppt/slides/slide27.xml><?xml version="1.0" encoding="utf-8"?>
 <p:sld xmlns:a="http://schemas.openxmlformats.org/drawingml/2006/main" xmlns:r="http://schemas.openxmlformats.org/officeDocument/2006/relationships" xmlns:p="http://schemas.openxmlformats.org/presentationml/2006/main">
   <p:cSld>
     <p:spTree>
@@ -13014,7 +13267,7 @@
 </p:sld>
 </file>
 
-<file path=ppt/slides/slide24.xml><?xml version="1.0" encoding="utf-8"?>
+<file path=ppt/slides/slide28.xml><?xml version="1.0" encoding="utf-8"?>
 <p:sld xmlns:a="http://schemas.openxmlformats.org/drawingml/2006/main" xmlns:r="http://schemas.openxmlformats.org/officeDocument/2006/relationships" xmlns:p="http://schemas.openxmlformats.org/presentationml/2006/main">
   <p:cSld>
     <p:spTree>
@@ -13544,7 +13797,7 @@
 </p:sld>
 </file>
 
-<file path=ppt/slides/slide25.xml><?xml version="1.0" encoding="utf-8"?>
+<file path=ppt/slides/slide29.xml><?xml version="1.0" encoding="utf-8"?>
 <p:sld xmlns:a="http://schemas.openxmlformats.org/drawingml/2006/main" xmlns:r="http://schemas.openxmlformats.org/officeDocument/2006/relationships" xmlns:p="http://schemas.openxmlformats.org/presentationml/2006/main">
   <p:cSld>
     <p:spTree>
@@ -13666,7 +13919,145 @@
 </p:sld>
 </file>
 
-<file path=ppt/slides/slide26.xml><?xml version="1.0" encoding="utf-8"?>
+<file path=ppt/slides/slide3.xml><?xml version="1.0" encoding="utf-8"?>
+<p:sld xmlns:a="http://schemas.openxmlformats.org/drawingml/2006/main" xmlns:r="http://schemas.openxmlformats.org/officeDocument/2006/relationships" xmlns:p="http://schemas.openxmlformats.org/presentationml/2006/main">
+  <p:cSld>
+    <p:spTree>
+      <p:nvGrpSpPr>
+        <p:cNvPr id="1" name=""/>
+        <p:cNvGrpSpPr/>
+        <p:nvPr/>
+      </p:nvGrpSpPr>
+      <p:grpSpPr>
+        <a:xfrm>
+          <a:off x="0" y="0"/>
+          <a:ext cx="0" cy="0"/>
+          <a:chOff x="0" y="0"/>
+          <a:chExt cx="0" cy="0"/>
+        </a:xfrm>
+      </p:grpSpPr>
+      <p:sp>
+        <p:nvSpPr>
+          <p:cNvPr id="6146" name="Rectangle 2"/>
+          <p:cNvSpPr>
+            <a:spLocks noGrp="1" noChangeArrowheads="1"/>
+          </p:cNvSpPr>
+          <p:nvPr>
+            <p:ph type="title"/>
+          </p:nvPr>
+        </p:nvSpPr>
+        <p:spPr>
+          <a:xfrm>
+            <a:off x="685800" y="228600"/>
+            <a:ext cx="7772400" cy="1143000"/>
+          </a:xfrm>
+        </p:spPr>
+        <p:txBody>
+          <a:bodyPr/>
+          <a:lstStyle/>
+          <a:p>
+            <a:pPr eaLnBrk="1" hangingPunct="1"/>
+            <a:r>
+              <a:rPr lang="de-DE" sz="4000" dirty="0">
+                <a:latin typeface="Candara" panose="020E0502030303020204" pitchFamily="34" charset="0"/>
+              </a:rPr>
+              <a:t>Optimal Emission Reduction</a:t>
+            </a:r>
+            <a:endParaRPr lang="en-GB" sz="4000" dirty="0">
+              <a:latin typeface="Candara" panose="020E0502030303020204" pitchFamily="34" charset="0"/>
+            </a:endParaRPr>
+          </a:p>
+        </p:txBody>
+      </p:sp>
+      <p:sp>
+        <p:nvSpPr>
+          <p:cNvPr id="6147" name="Rectangle 3"/>
+          <p:cNvSpPr>
+            <a:spLocks noGrp="1" noChangeArrowheads="1"/>
+          </p:cNvSpPr>
+          <p:nvPr>
+            <p:ph type="body" idx="1"/>
+          </p:nvPr>
+        </p:nvSpPr>
+        <p:spPr>
+          <a:xfrm>
+            <a:off x="685800" y="1371600"/>
+            <a:ext cx="7772400" cy="4114800"/>
+          </a:xfrm>
+        </p:spPr>
+        <p:txBody>
+          <a:bodyPr/>
+          <a:lstStyle/>
+          <a:p>
+            <a:pPr eaLnBrk="1" hangingPunct="1"/>
+            <a:r>
+              <a:rPr lang="de-DE" b="1" dirty="0">
+                <a:latin typeface="Candara" panose="020E0502030303020204" pitchFamily="34" charset="0"/>
+              </a:rPr>
+              <a:t>Internationally agreed targets</a:t>
+            </a:r>
+          </a:p>
+          <a:p>
+            <a:pPr lvl="1" eaLnBrk="1" hangingPunct="1"/>
+            <a:r>
+              <a:rPr lang="de-DE" dirty="0">
+                <a:latin typeface="Candara" panose="020E0502030303020204" pitchFamily="34" charset="0"/>
+              </a:rPr>
+              <a:t>Article 2, UNFCCC</a:t>
+            </a:r>
+          </a:p>
+          <a:p>
+            <a:pPr lvl="1" eaLnBrk="1" hangingPunct="1"/>
+            <a:r>
+              <a:rPr lang="de-DE" dirty="0">
+                <a:latin typeface="Candara" panose="020E0502030303020204" pitchFamily="34" charset="0"/>
+              </a:rPr>
+              <a:t>The carbon cycle</a:t>
+            </a:r>
+          </a:p>
+          <a:p>
+            <a:pPr lvl="1" eaLnBrk="1" hangingPunct="1"/>
+            <a:r>
+              <a:rPr lang="de-DE" dirty="0">
+                <a:latin typeface="Candara" panose="020E0502030303020204" pitchFamily="34" charset="0"/>
+              </a:rPr>
+              <a:t>Article 2, Paris Agreement</a:t>
+            </a:r>
+          </a:p>
+          <a:p>
+            <a:pPr eaLnBrk="1" hangingPunct="1"/>
+            <a:r>
+              <a:rPr lang="de-DE" dirty="0">
+                <a:latin typeface="Candara" panose="020E0502030303020204" pitchFamily="34" charset="0"/>
+              </a:rPr>
+              <a:t>Cost-benefit analysis</a:t>
+            </a:r>
+          </a:p>
+          <a:p>
+            <a:pPr eaLnBrk="1" hangingPunct="1"/>
+            <a:r>
+              <a:rPr lang="de-DE" dirty="0">
+                <a:latin typeface="Candara" panose="020E0502030303020204" pitchFamily="34" charset="0"/>
+              </a:rPr>
+              <a:t>Co-benefits</a:t>
+            </a:r>
+          </a:p>
+        </p:txBody>
+      </p:sp>
+    </p:spTree>
+    <p:extLst>
+      <p:ext uri="{BB962C8B-B14F-4D97-AF65-F5344CB8AC3E}">
+        <p14:creationId xmlns:p14="http://schemas.microsoft.com/office/powerpoint/2010/main" val="1840602644"/>
+      </p:ext>
+    </p:extLst>
+  </p:cSld>
+  <p:clrMapOvr>
+    <a:masterClrMapping/>
+  </p:clrMapOvr>
+</p:sld>
+</file>
+
+<file path=ppt/slides/slide30.xml><?xml version="1.0" encoding="utf-8"?>
 <p:sld xmlns:a="http://schemas.openxmlformats.org/drawingml/2006/main" xmlns:r="http://schemas.openxmlformats.org/officeDocument/2006/relationships" xmlns:p="http://schemas.openxmlformats.org/presentationml/2006/main">
   <p:cSld>
     <p:spTree>
@@ -13723,7 +14114,7 @@
 </p:sld>
 </file>
 
-<file path=ppt/slides/slide27.xml><?xml version="1.0" encoding="utf-8"?>
+<file path=ppt/slides/slide31.xml><?xml version="1.0" encoding="utf-8"?>
 <p:sld xmlns:a="http://schemas.openxmlformats.org/drawingml/2006/main" xmlns:r="http://schemas.openxmlformats.org/officeDocument/2006/relationships" xmlns:p="http://schemas.openxmlformats.org/presentationml/2006/main">
   <p:cSld>
     <p:spTree>
@@ -13780,7 +14171,7 @@
 </p:sld>
 </file>
 
-<file path=ppt/slides/slide28.xml><?xml version="1.0" encoding="utf-8"?>
+<file path=ppt/slides/slide32.xml><?xml version="1.0" encoding="utf-8"?>
 <p:sld xmlns:a="http://schemas.openxmlformats.org/drawingml/2006/main" xmlns:r="http://schemas.openxmlformats.org/officeDocument/2006/relationships" xmlns:p="http://schemas.openxmlformats.org/presentationml/2006/main">
   <p:cSld>
     <p:spTree>
@@ -14000,7 +14391,7 @@
 </p:sld>
 </file>
 
-<file path=ppt/slides/slide29.xml><?xml version="1.0" encoding="utf-8"?>
+<file path=ppt/slides/slide33.xml><?xml version="1.0" encoding="utf-8"?>
 <p:sld xmlns:a="http://schemas.openxmlformats.org/drawingml/2006/main" xmlns:r="http://schemas.openxmlformats.org/officeDocument/2006/relationships" xmlns:p="http://schemas.openxmlformats.org/presentationml/2006/main">
   <p:cSld>
     <p:spTree>
@@ -14060,145 +14451,7 @@
 </p:sld>
 </file>
 
-<file path=ppt/slides/slide3.xml><?xml version="1.0" encoding="utf-8"?>
-<p:sld xmlns:a="http://schemas.openxmlformats.org/drawingml/2006/main" xmlns:r="http://schemas.openxmlformats.org/officeDocument/2006/relationships" xmlns:p="http://schemas.openxmlformats.org/presentationml/2006/main">
-  <p:cSld>
-    <p:spTree>
-      <p:nvGrpSpPr>
-        <p:cNvPr id="1" name=""/>
-        <p:cNvGrpSpPr/>
-        <p:nvPr/>
-      </p:nvGrpSpPr>
-      <p:grpSpPr>
-        <a:xfrm>
-          <a:off x="0" y="0"/>
-          <a:ext cx="0" cy="0"/>
-          <a:chOff x="0" y="0"/>
-          <a:chExt cx="0" cy="0"/>
-        </a:xfrm>
-      </p:grpSpPr>
-      <p:sp>
-        <p:nvSpPr>
-          <p:cNvPr id="6146" name="Rectangle 2"/>
-          <p:cNvSpPr>
-            <a:spLocks noGrp="1" noChangeArrowheads="1"/>
-          </p:cNvSpPr>
-          <p:nvPr>
-            <p:ph type="title"/>
-          </p:nvPr>
-        </p:nvSpPr>
-        <p:spPr>
-          <a:xfrm>
-            <a:off x="685800" y="228600"/>
-            <a:ext cx="7772400" cy="1143000"/>
-          </a:xfrm>
-        </p:spPr>
-        <p:txBody>
-          <a:bodyPr/>
-          <a:lstStyle/>
-          <a:p>
-            <a:pPr eaLnBrk="1" hangingPunct="1"/>
-            <a:r>
-              <a:rPr lang="de-DE" sz="4000" dirty="0">
-                <a:latin typeface="Candara" panose="020E0502030303020204" pitchFamily="34" charset="0"/>
-              </a:rPr>
-              <a:t>Optimal Emission Reduction</a:t>
-            </a:r>
-            <a:endParaRPr lang="en-GB" sz="4000" dirty="0">
-              <a:latin typeface="Candara" panose="020E0502030303020204" pitchFamily="34" charset="0"/>
-            </a:endParaRPr>
-          </a:p>
-        </p:txBody>
-      </p:sp>
-      <p:sp>
-        <p:nvSpPr>
-          <p:cNvPr id="6147" name="Rectangle 3"/>
-          <p:cNvSpPr>
-            <a:spLocks noGrp="1" noChangeArrowheads="1"/>
-          </p:cNvSpPr>
-          <p:nvPr>
-            <p:ph type="body" idx="1"/>
-          </p:nvPr>
-        </p:nvSpPr>
-        <p:spPr>
-          <a:xfrm>
-            <a:off x="685800" y="1371600"/>
-            <a:ext cx="7772400" cy="4114800"/>
-          </a:xfrm>
-        </p:spPr>
-        <p:txBody>
-          <a:bodyPr/>
-          <a:lstStyle/>
-          <a:p>
-            <a:pPr eaLnBrk="1" hangingPunct="1"/>
-            <a:r>
-              <a:rPr lang="de-DE" dirty="0">
-                <a:latin typeface="Candara" panose="020E0502030303020204" pitchFamily="34" charset="0"/>
-              </a:rPr>
-              <a:t>Internationally agreed targets</a:t>
-            </a:r>
-          </a:p>
-          <a:p>
-            <a:pPr lvl="1" eaLnBrk="1" hangingPunct="1"/>
-            <a:r>
-              <a:rPr lang="de-DE" dirty="0">
-                <a:latin typeface="Candara" panose="020E0502030303020204" pitchFamily="34" charset="0"/>
-              </a:rPr>
-              <a:t>Article 2, UNFCCC</a:t>
-            </a:r>
-          </a:p>
-          <a:p>
-            <a:pPr lvl="1" eaLnBrk="1" hangingPunct="1"/>
-            <a:r>
-              <a:rPr lang="de-DE" dirty="0">
-                <a:latin typeface="Candara" panose="020E0502030303020204" pitchFamily="34" charset="0"/>
-              </a:rPr>
-              <a:t>The carbon cycle</a:t>
-            </a:r>
-          </a:p>
-          <a:p>
-            <a:pPr lvl="1" eaLnBrk="1" hangingPunct="1"/>
-            <a:r>
-              <a:rPr lang="de-DE" dirty="0">
-                <a:latin typeface="Candara" panose="020E0502030303020204" pitchFamily="34" charset="0"/>
-              </a:rPr>
-              <a:t>Article 2, Paris Agreement</a:t>
-            </a:r>
-          </a:p>
-          <a:p>
-            <a:pPr eaLnBrk="1" hangingPunct="1"/>
-            <a:r>
-              <a:rPr lang="de-DE" dirty="0">
-                <a:latin typeface="Candara" panose="020E0502030303020204" pitchFamily="34" charset="0"/>
-              </a:rPr>
-              <a:t>Cost-benefit analysis</a:t>
-            </a:r>
-          </a:p>
-          <a:p>
-            <a:pPr eaLnBrk="1" hangingPunct="1"/>
-            <a:r>
-              <a:rPr lang="de-DE" dirty="0">
-                <a:latin typeface="Candara" panose="020E0502030303020204" pitchFamily="34" charset="0"/>
-              </a:rPr>
-              <a:t>Co-benefits</a:t>
-            </a:r>
-          </a:p>
-        </p:txBody>
-      </p:sp>
-    </p:spTree>
-    <p:extLst>
-      <p:ext uri="{BB962C8B-B14F-4D97-AF65-F5344CB8AC3E}">
-        <p14:creationId xmlns:p14="http://schemas.microsoft.com/office/powerpoint/2010/main" val="1840602644"/>
-      </p:ext>
-    </p:extLst>
-  </p:cSld>
-  <p:clrMapOvr>
-    <a:masterClrMapping/>
-  </p:clrMapOvr>
-</p:sld>
-</file>
-
-<file path=ppt/slides/slide30.xml><?xml version="1.0" encoding="utf-8"?>
+<file path=ppt/slides/slide34.xml><?xml version="1.0" encoding="utf-8"?>
 <p:sld xmlns:a="http://schemas.openxmlformats.org/drawingml/2006/main" xmlns:r="http://schemas.openxmlformats.org/officeDocument/2006/relationships" xmlns:p="http://schemas.openxmlformats.org/presentationml/2006/main">
   <p:cSld>
     <p:spTree>
@@ -14372,7 +14625,7 @@
 </p:sld>
 </file>
 
-<file path=ppt/slides/slide31.xml><?xml version="1.0" encoding="utf-8"?>
+<file path=ppt/slides/slide35.xml><?xml version="1.0" encoding="utf-8"?>
 <p:sld xmlns:a="http://schemas.openxmlformats.org/drawingml/2006/main" xmlns:r="http://schemas.openxmlformats.org/officeDocument/2006/relationships" xmlns:p="http://schemas.openxmlformats.org/presentationml/2006/main">
   <p:cSld>
     <p:spTree>
@@ -14432,7 +14685,7 @@
 </p:sld>
 </file>
 
-<file path=ppt/slides/slide32.xml><?xml version="1.0" encoding="utf-8"?>
+<file path=ppt/slides/slide36.xml><?xml version="1.0" encoding="utf-8"?>
 <p:sld xmlns:a="http://schemas.openxmlformats.org/drawingml/2006/main" xmlns:r="http://schemas.openxmlformats.org/officeDocument/2006/relationships" xmlns:p="http://schemas.openxmlformats.org/presentationml/2006/main">
   <p:cSld>
     <p:spTree>
@@ -14673,7 +14926,7 @@
 </p:sld>
 </file>
 
-<file path=ppt/slides/slide33.xml><?xml version="1.0" encoding="utf-8"?>
+<file path=ppt/slides/slide37.xml><?xml version="1.0" encoding="utf-8"?>
 <p:sld xmlns:a="http://schemas.openxmlformats.org/drawingml/2006/main" xmlns:r="http://schemas.openxmlformats.org/officeDocument/2006/relationships" xmlns:p="http://schemas.openxmlformats.org/presentationml/2006/main">
   <p:cSld>
     <p:spTree>
@@ -14763,7 +15016,7 @@
           <a:p>
             <a:pPr eaLnBrk="1" hangingPunct="1"/>
             <a:r>
-              <a:rPr lang="en-GB" dirty="0">
+              <a:rPr lang="en-GB" b="1" dirty="0">
                 <a:latin typeface="Candara" panose="020E0502030303020204" pitchFamily="34" charset="0"/>
               </a:rPr>
               <a:t>Co-benefits</a:t>
@@ -14817,7 +15070,7 @@
 </p:sld>
 </file>
 
-<file path=ppt/slides/slide34.xml><?xml version="1.0" encoding="utf-8"?>
+<file path=ppt/slides/slide38.xml><?xml version="1.0" encoding="utf-8"?>
 <p:sld xmlns:a="http://schemas.openxmlformats.org/drawingml/2006/main" xmlns:r="http://schemas.openxmlformats.org/officeDocument/2006/relationships" xmlns:p="http://schemas.openxmlformats.org/presentationml/2006/main">
   <p:cSld>
     <p:spTree>
@@ -14877,7 +15130,7 @@
 </p:sld>
 </file>
 
-<file path=ppt/slides/slide35.xml><?xml version="1.0" encoding="utf-8"?>
+<file path=ppt/slides/slide39.xml><?xml version="1.0" encoding="utf-8"?>
 <p:sld xmlns:a="http://schemas.openxmlformats.org/drawingml/2006/main" xmlns:r="http://schemas.openxmlformats.org/officeDocument/2006/relationships" xmlns:p="http://schemas.openxmlformats.org/presentationml/2006/main">
   <p:cSld>
     <p:spTree>
@@ -15981,7 +16234,101 @@
 </p:sld>
 </file>
 
-<file path=ppt/slides/slide36.xml><?xml version="1.0" encoding="utf-8"?>
+<file path=ppt/slides/slide4.xml><?xml version="1.0" encoding="utf-8"?>
+<p:sld xmlns:a="http://schemas.openxmlformats.org/drawingml/2006/main" xmlns:r="http://schemas.openxmlformats.org/officeDocument/2006/relationships" xmlns:p="http://schemas.openxmlformats.org/presentationml/2006/main">
+  <p:cSld>
+    <p:spTree>
+      <p:nvGrpSpPr>
+        <p:cNvPr id="1" name=""/>
+        <p:cNvGrpSpPr/>
+        <p:nvPr/>
+      </p:nvGrpSpPr>
+      <p:grpSpPr>
+        <a:xfrm>
+          <a:off x="0" y="0"/>
+          <a:ext cx="0" cy="0"/>
+          <a:chOff x="0" y="0"/>
+          <a:chExt cx="0" cy="0"/>
+        </a:xfrm>
+      </p:grpSpPr>
+      <p:sp>
+        <p:nvSpPr>
+          <p:cNvPr id="7170" name="Rectangle 2"/>
+          <p:cNvSpPr>
+            <a:spLocks noGrp="1" noChangeArrowheads="1"/>
+          </p:cNvSpPr>
+          <p:nvPr>
+            <p:ph type="title"/>
+          </p:nvPr>
+        </p:nvSpPr>
+        <p:spPr>
+          <a:xfrm>
+            <a:off x="685800" y="0"/>
+            <a:ext cx="7772400" cy="990600"/>
+          </a:xfrm>
+        </p:spPr>
+        <p:txBody>
+          <a:bodyPr/>
+          <a:lstStyle/>
+          <a:p>
+            <a:pPr eaLnBrk="1" hangingPunct="1"/>
+            <a:r>
+              <a:rPr lang="de-DE" sz="3600" dirty="0">
+                <a:latin typeface="Candara" panose="020E0502030303020204" pitchFamily="34" charset="0"/>
+              </a:rPr>
+              <a:t>How deep?</a:t>
+            </a:r>
+            <a:endParaRPr lang="en-GB" sz="3600" dirty="0">
+              <a:latin typeface="Candara" panose="020E0502030303020204" pitchFamily="34" charset="0"/>
+            </a:endParaRPr>
+          </a:p>
+        </p:txBody>
+      </p:sp>
+      <p:sp>
+        <p:nvSpPr>
+          <p:cNvPr id="7171" name="Rectangle 3"/>
+          <p:cNvSpPr>
+            <a:spLocks noGrp="1" noChangeArrowheads="1"/>
+          </p:cNvSpPr>
+          <p:nvPr>
+            <p:ph type="body" idx="1"/>
+          </p:nvPr>
+        </p:nvSpPr>
+        <p:spPr>
+          <a:xfrm>
+            <a:off x="381000" y="838200"/>
+            <a:ext cx="8305800" cy="4114800"/>
+          </a:xfrm>
+        </p:spPr>
+        <p:txBody>
+          <a:bodyPr/>
+          <a:lstStyle/>
+          <a:p>
+            <a:pPr indent="0" eaLnBrk="1" hangingPunct="1">
+              <a:buFontTx/>
+              <a:buNone/>
+            </a:pPr>
+            <a:r>
+              <a:rPr lang="de-DE" sz="2800" dirty="0">
+                <a:latin typeface="Candara" panose="020E0502030303020204" pitchFamily="34" charset="0"/>
+              </a:rPr>
+              <a:t>The ultimate objective of [the United Nations Framework Convention on Climate Change] [...] is to achieve [...] stabilization of greenhouse gas concentrations in the atmosphere at a level that would prevent dangerous anthropogenic interference with the climate system. Such a level should be achieved within a time-frame sufficient to allow ecosystems to adapt naturally, to ensure that food production is not threatened and to enable economic development to proceed in a sustainable manner. </a:t>
+            </a:r>
+            <a:endParaRPr lang="en-GB" sz="2800" dirty="0">
+              <a:latin typeface="Candara" panose="020E0502030303020204" pitchFamily="34" charset="0"/>
+            </a:endParaRPr>
+          </a:p>
+        </p:txBody>
+      </p:sp>
+    </p:spTree>
+  </p:cSld>
+  <p:clrMapOvr>
+    <a:masterClrMapping/>
+  </p:clrMapOvr>
+</p:sld>
+</file>
+
+<file path=ppt/slides/slide40.xml><?xml version="1.0" encoding="utf-8"?>
 <p:sld xmlns:a="http://schemas.openxmlformats.org/drawingml/2006/main" xmlns:r="http://schemas.openxmlformats.org/officeDocument/2006/relationships" xmlns:p="http://schemas.openxmlformats.org/presentationml/2006/main">
   <p:cSld>
     <p:spTree>
@@ -16932,7 +17279,7 @@
 </p:sld>
 </file>
 
-<file path=ppt/slides/slide37.xml><?xml version="1.0" encoding="utf-8"?>
+<file path=ppt/slides/slide41.xml><?xml version="1.0" encoding="utf-8"?>
 <p:sld xmlns:a="http://schemas.openxmlformats.org/drawingml/2006/main" xmlns:r="http://schemas.openxmlformats.org/officeDocument/2006/relationships" xmlns:p="http://schemas.openxmlformats.org/presentationml/2006/main">
   <p:cSld>
     <p:spTree>
@@ -18031,7 +18378,7 @@
 </p:sld>
 </file>
 
-<file path=ppt/slides/slide38.xml><?xml version="1.0" encoding="utf-8"?>
+<file path=ppt/slides/slide42.xml><?xml version="1.0" encoding="utf-8"?>
 <p:sld xmlns:a="http://schemas.openxmlformats.org/drawingml/2006/main" xmlns:r="http://schemas.openxmlformats.org/officeDocument/2006/relationships" xmlns:p="http://schemas.openxmlformats.org/presentationml/2006/main">
   <p:cSld>
     <p:spTree>
@@ -18091,7 +18438,7 @@
 </p:sld>
 </file>
 
-<file path=ppt/slides/slide39.xml><?xml version="1.0" encoding="utf-8"?>
+<file path=ppt/slides/slide43.xml><?xml version="1.0" encoding="utf-8"?>
 <p:sld xmlns:a="http://schemas.openxmlformats.org/drawingml/2006/main" xmlns:r="http://schemas.openxmlformats.org/officeDocument/2006/relationships" xmlns:p="http://schemas.openxmlformats.org/presentationml/2006/main">
   <p:cSld>
     <p:spTree>
@@ -19187,101 +19534,7 @@
 </p:sld>
 </file>
 
-<file path=ppt/slides/slide4.xml><?xml version="1.0" encoding="utf-8"?>
-<p:sld xmlns:a="http://schemas.openxmlformats.org/drawingml/2006/main" xmlns:r="http://schemas.openxmlformats.org/officeDocument/2006/relationships" xmlns:p="http://schemas.openxmlformats.org/presentationml/2006/main">
-  <p:cSld>
-    <p:spTree>
-      <p:nvGrpSpPr>
-        <p:cNvPr id="1" name=""/>
-        <p:cNvGrpSpPr/>
-        <p:nvPr/>
-      </p:nvGrpSpPr>
-      <p:grpSpPr>
-        <a:xfrm>
-          <a:off x="0" y="0"/>
-          <a:ext cx="0" cy="0"/>
-          <a:chOff x="0" y="0"/>
-          <a:chExt cx="0" cy="0"/>
-        </a:xfrm>
-      </p:grpSpPr>
-      <p:sp>
-        <p:nvSpPr>
-          <p:cNvPr id="7170" name="Rectangle 2"/>
-          <p:cNvSpPr>
-            <a:spLocks noGrp="1" noChangeArrowheads="1"/>
-          </p:cNvSpPr>
-          <p:nvPr>
-            <p:ph type="title"/>
-          </p:nvPr>
-        </p:nvSpPr>
-        <p:spPr>
-          <a:xfrm>
-            <a:off x="685800" y="0"/>
-            <a:ext cx="7772400" cy="990600"/>
-          </a:xfrm>
-        </p:spPr>
-        <p:txBody>
-          <a:bodyPr/>
-          <a:lstStyle/>
-          <a:p>
-            <a:pPr eaLnBrk="1" hangingPunct="1"/>
-            <a:r>
-              <a:rPr lang="de-DE" sz="3600" dirty="0">
-                <a:latin typeface="Candara" panose="020E0502030303020204" pitchFamily="34" charset="0"/>
-              </a:rPr>
-              <a:t>How deep?</a:t>
-            </a:r>
-            <a:endParaRPr lang="en-GB" sz="3600" dirty="0">
-              <a:latin typeface="Candara" panose="020E0502030303020204" pitchFamily="34" charset="0"/>
-            </a:endParaRPr>
-          </a:p>
-        </p:txBody>
-      </p:sp>
-      <p:sp>
-        <p:nvSpPr>
-          <p:cNvPr id="7171" name="Rectangle 3"/>
-          <p:cNvSpPr>
-            <a:spLocks noGrp="1" noChangeArrowheads="1"/>
-          </p:cNvSpPr>
-          <p:nvPr>
-            <p:ph type="body" idx="1"/>
-          </p:nvPr>
-        </p:nvSpPr>
-        <p:spPr>
-          <a:xfrm>
-            <a:off x="381000" y="838200"/>
-            <a:ext cx="8305800" cy="4114800"/>
-          </a:xfrm>
-        </p:spPr>
-        <p:txBody>
-          <a:bodyPr/>
-          <a:lstStyle/>
-          <a:p>
-            <a:pPr indent="0" eaLnBrk="1" hangingPunct="1">
-              <a:buFontTx/>
-              <a:buNone/>
-            </a:pPr>
-            <a:r>
-              <a:rPr lang="de-DE" sz="2800" dirty="0">
-                <a:latin typeface="Candara" panose="020E0502030303020204" pitchFamily="34" charset="0"/>
-              </a:rPr>
-              <a:t>The ultimate objective of [the United Nations Framework Convention on Climate Change] [...] is to achieve [...] stabilization of greenhouse gas concentrations in the atmosphere at a level that would prevent dangerous anthropogenic interference with the climate system. Such a level should be achieved within a time-frame sufficient to allow ecosystems to adapt naturally, to ensure that food production is not threatened and to enable economic development to proceed in a sustainable manner. </a:t>
-            </a:r>
-            <a:endParaRPr lang="en-GB" sz="2800" dirty="0">
-              <a:latin typeface="Candara" panose="020E0502030303020204" pitchFamily="34" charset="0"/>
-            </a:endParaRPr>
-          </a:p>
-        </p:txBody>
-      </p:sp>
-    </p:spTree>
-  </p:cSld>
-  <p:clrMapOvr>
-    <a:masterClrMapping/>
-  </p:clrMapOvr>
-</p:sld>
-</file>
-
-<file path=ppt/slides/slide40.xml><?xml version="1.0" encoding="utf-8"?>
+<file path=ppt/slides/slide44.xml><?xml version="1.0" encoding="utf-8"?>
 <p:sld xmlns:a="http://schemas.openxmlformats.org/drawingml/2006/main" xmlns:r="http://schemas.openxmlformats.org/officeDocument/2006/relationships" xmlns:p="http://schemas.openxmlformats.org/presentationml/2006/main">
   <p:cSld>
     <p:spTree>
@@ -19446,7 +19699,7 @@
 </p:sld>
 </file>
 
-<file path=ppt/slides/slide41.xml><?xml version="1.0" encoding="utf-8"?>
+<file path=ppt/slides/slide45.xml><?xml version="1.0" encoding="utf-8"?>
 <p:sld xmlns:a="http://schemas.openxmlformats.org/drawingml/2006/main" xmlns:r="http://schemas.openxmlformats.org/officeDocument/2006/relationships" xmlns:p="http://schemas.openxmlformats.org/presentationml/2006/main">
   <p:cSld>
     <p:spTree>
@@ -19585,8 +19838,8 @@
           </a:p>
         </p:txBody>
       </p:sp>
-      <mc:AlternateContent xmlns:mc="http://schemas.openxmlformats.org/markup-compatibility/2006">
-        <mc:Choice xmlns:a14="http://schemas.microsoft.com/office/drawing/2010/main" Requires="a14">
+      <mc:AlternateContent xmlns:mc="http://schemas.openxmlformats.org/markup-compatibility/2006" xmlns:a14="http://schemas.microsoft.com/office/drawing/2010/main">
+        <mc:Choice Requires="a14">
           <p:sp>
             <p:nvSpPr>
               <p:cNvPr id="12" name="TextBox 11"/>
@@ -19713,7 +19966,7 @@
             </p:txBody>
           </p:sp>
         </mc:Choice>
-        <mc:Fallback>
+        <mc:Fallback xmlns="">
           <p:sp>
             <p:nvSpPr>
               <p:cNvPr id="12" name="TextBox 11"/>
@@ -19752,8 +20005,8 @@
           </p:sp>
         </mc:Fallback>
       </mc:AlternateContent>
-      <mc:AlternateContent xmlns:mc="http://schemas.openxmlformats.org/markup-compatibility/2006">
-        <mc:Choice xmlns:a14="http://schemas.microsoft.com/office/drawing/2010/main" Requires="a14">
+      <mc:AlternateContent xmlns:mc="http://schemas.openxmlformats.org/markup-compatibility/2006" xmlns:a14="http://schemas.microsoft.com/office/drawing/2010/main">
+        <mc:Choice Requires="a14">
           <p:sp>
             <p:nvSpPr>
               <p:cNvPr id="14" name="TextBox 13"/>
@@ -20012,7 +20265,7 @@
             </p:txBody>
           </p:sp>
         </mc:Choice>
-        <mc:Fallback>
+        <mc:Fallback xmlns="">
           <p:sp>
             <p:nvSpPr>
               <p:cNvPr id="14" name="TextBox 13"/>
@@ -20094,8 +20347,8 @@
           </a:p>
         </p:txBody>
       </p:sp>
-      <mc:AlternateContent xmlns:mc="http://schemas.openxmlformats.org/markup-compatibility/2006">
-        <mc:Choice xmlns:a14="http://schemas.microsoft.com/office/drawing/2010/main" Requires="a14">
+      <mc:AlternateContent xmlns:mc="http://schemas.openxmlformats.org/markup-compatibility/2006" xmlns:a14="http://schemas.microsoft.com/office/drawing/2010/main">
+        <mc:Choice Requires="a14">
           <p:sp>
             <p:nvSpPr>
               <p:cNvPr id="16" name="TextBox 15"/>
@@ -20375,7 +20628,7 @@
             </p:txBody>
           </p:sp>
         </mc:Choice>
-        <mc:Fallback>
+        <mc:Fallback xmlns="">
           <p:sp>
             <p:nvSpPr>
               <p:cNvPr id="16" name="TextBox 15"/>
@@ -20414,8 +20667,8 @@
           </p:sp>
         </mc:Fallback>
       </mc:AlternateContent>
-      <mc:AlternateContent xmlns:mc="http://schemas.openxmlformats.org/markup-compatibility/2006">
-        <mc:Choice xmlns:a14="http://schemas.microsoft.com/office/drawing/2010/main" Requires="a14">
+      <mc:AlternateContent xmlns:mc="http://schemas.openxmlformats.org/markup-compatibility/2006" xmlns:a14="http://schemas.microsoft.com/office/drawing/2010/main">
+        <mc:Choice Requires="a14">
           <p:sp>
             <p:nvSpPr>
               <p:cNvPr id="17" name="TextBox 16"/>
@@ -20490,7 +20743,7 @@
             </p:txBody>
           </p:sp>
         </mc:Choice>
-        <mc:Fallback>
+        <mc:Fallback xmlns="">
           <p:sp>
             <p:nvSpPr>
               <p:cNvPr id="17" name="TextBox 16"/>
@@ -20529,8 +20782,8 @@
           </p:sp>
         </mc:Fallback>
       </mc:AlternateContent>
-      <mc:AlternateContent xmlns:mc="http://schemas.openxmlformats.org/markup-compatibility/2006">
-        <mc:Choice xmlns:a14="http://schemas.microsoft.com/office/drawing/2010/main" Requires="a14">
+      <mc:AlternateContent xmlns:mc="http://schemas.openxmlformats.org/markup-compatibility/2006" xmlns:a14="http://schemas.microsoft.com/office/drawing/2010/main">
+        <mc:Choice Requires="a14">
           <p:sp>
             <p:nvSpPr>
               <p:cNvPr id="10" name="TextBox 9">
@@ -20616,7 +20869,7 @@
             </p:txBody>
           </p:sp>
         </mc:Choice>
-        <mc:Fallback>
+        <mc:Fallback xmlns="">
           <p:sp>
             <p:nvSpPr>
               <p:cNvPr id="10" name="TextBox 9">
@@ -20674,7 +20927,7 @@
 </p:sld>
 </file>
 
-<file path=ppt/slides/slide42.xml><?xml version="1.0" encoding="utf-8"?>
+<file path=ppt/slides/slide46.xml><?xml version="1.0" encoding="utf-8"?>
 <p:sld xmlns:a="http://schemas.openxmlformats.org/drawingml/2006/main" xmlns:r="http://schemas.openxmlformats.org/officeDocument/2006/relationships" xmlns:p="http://schemas.openxmlformats.org/presentationml/2006/main">
   <p:cSld>
     <p:spTree>
@@ -21180,7 +21433,7 @@
 </p:sld>
 </file>
 
-<file path=ppt/slides/slide43.xml><?xml version="1.0" encoding="utf-8"?>
+<file path=ppt/slides/slide47.xml><?xml version="1.0" encoding="utf-8"?>
 <p:sld xmlns:a="http://schemas.openxmlformats.org/drawingml/2006/main" xmlns:r="http://schemas.openxmlformats.org/officeDocument/2006/relationships" xmlns:p="http://schemas.openxmlformats.org/presentationml/2006/main">
   <p:cSld>
     <p:spTree>
@@ -21271,7 +21524,7 @@
 </p:sld>
 </file>
 
-<file path=ppt/slides/slide44.xml><?xml version="1.0" encoding="utf-8"?>
+<file path=ppt/slides/slide48.xml><?xml version="1.0" encoding="utf-8"?>
 <p:sld xmlns:a="http://schemas.openxmlformats.org/drawingml/2006/main" xmlns:r="http://schemas.openxmlformats.org/officeDocument/2006/relationships" xmlns:p="http://schemas.openxmlformats.org/presentationml/2006/main">
   <p:cSld>
     <p:spTree>
@@ -22562,7 +22815,7 @@
 </p:sld>
 </file>
 
-<file path=ppt/slides/slide45.xml><?xml version="1.0" encoding="utf-8"?>
+<file path=ppt/slides/slide49.xml><?xml version="1.0" encoding="utf-8"?>
 <p:sld xmlns:a="http://schemas.openxmlformats.org/drawingml/2006/main" xmlns:r="http://schemas.openxmlformats.org/officeDocument/2006/relationships" xmlns:p="http://schemas.openxmlformats.org/presentationml/2006/main">
   <p:cSld>
     <p:spTree>
@@ -23865,7 +24118,73 @@
 </p:sld>
 </file>
 
-<file path=ppt/slides/slide46.xml><?xml version="1.0" encoding="utf-8"?>
+<file path=ppt/slides/slide5.xml><?xml version="1.0" encoding="utf-8"?>
+<p:sld xmlns:a="http://schemas.openxmlformats.org/drawingml/2006/main" xmlns:r="http://schemas.openxmlformats.org/officeDocument/2006/relationships" xmlns:p="http://schemas.openxmlformats.org/presentationml/2006/main">
+  <p:cSld>
+    <p:spTree>
+      <p:nvGrpSpPr>
+        <p:cNvPr id="1" name=""/>
+        <p:cNvGrpSpPr/>
+        <p:nvPr/>
+      </p:nvGrpSpPr>
+      <p:grpSpPr>
+        <a:xfrm>
+          <a:off x="0" y="0"/>
+          <a:ext cx="0" cy="0"/>
+          <a:chOff x="0" y="0"/>
+          <a:chExt cx="0" cy="0"/>
+        </a:xfrm>
+      </p:grpSpPr>
+      <p:pic>
+        <p:nvPicPr>
+          <p:cNvPr id="3" name="Picture 2">
+            <a:extLst>
+              <a:ext uri="{FF2B5EF4-FFF2-40B4-BE49-F238E27FC236}">
+                <a16:creationId xmlns:a16="http://schemas.microsoft.com/office/drawing/2014/main" id="{53C1047E-FDCA-49A2-B5F2-34EA0FC4417B}"/>
+              </a:ext>
+            </a:extLst>
+          </p:cNvPr>
+          <p:cNvPicPr>
+            <a:picLocks noChangeAspect="1"/>
+          </p:cNvPicPr>
+          <p:nvPr/>
+        </p:nvPicPr>
+        <p:blipFill>
+          <a:blip r:embed="rId2">
+            <a:extLst>
+              <a:ext uri="{28A0092B-C50C-407E-A947-70E740481C1C}">
+                <a14:useLocalDpi xmlns:a14="http://schemas.microsoft.com/office/drawing/2010/main" val="0"/>
+              </a:ext>
+            </a:extLst>
+          </a:blip>
+          <a:stretch>
+            <a:fillRect/>
+          </a:stretch>
+        </p:blipFill>
+        <p:spPr>
+          <a:xfrm>
+            <a:off x="1066800" y="0"/>
+            <a:ext cx="7315200" cy="6751062"/>
+          </a:xfrm>
+          <a:prstGeom prst="rect">
+            <a:avLst/>
+          </a:prstGeom>
+        </p:spPr>
+      </p:pic>
+    </p:spTree>
+    <p:extLst>
+      <p:ext uri="{BB962C8B-B14F-4D97-AF65-F5344CB8AC3E}">
+        <p14:creationId xmlns:p14="http://schemas.microsoft.com/office/powerpoint/2010/main" val="525749112"/>
+      </p:ext>
+    </p:extLst>
+  </p:cSld>
+  <p:clrMapOvr>
+    <a:masterClrMapping/>
+  </p:clrMapOvr>
+</p:sld>
+</file>
+
+<file path=ppt/slides/slide50.xml><?xml version="1.0" encoding="utf-8"?>
 <p:sld xmlns:a="http://schemas.openxmlformats.org/drawingml/2006/main" xmlns:r="http://schemas.openxmlformats.org/officeDocument/2006/relationships" xmlns:p="http://schemas.openxmlformats.org/presentationml/2006/main">
   <p:cSld>
     <p:spTree>
@@ -23925,7 +24244,7 @@
 </p:sld>
 </file>
 
-<file path=ppt/slides/slide47.xml><?xml version="1.0" encoding="utf-8"?>
+<file path=ppt/slides/slide51.xml><?xml version="1.0" encoding="utf-8"?>
 <p:sld xmlns:a="http://schemas.openxmlformats.org/drawingml/2006/main" xmlns:r="http://schemas.openxmlformats.org/officeDocument/2006/relationships" xmlns:p="http://schemas.openxmlformats.org/presentationml/2006/main">
   <p:cSld>
     <p:spTree>
@@ -25571,7 +25890,7 @@
 </p:sld>
 </file>
 
-<file path=ppt/slides/slide48.xml><?xml version="1.0" encoding="utf-8"?>
+<file path=ppt/slides/slide52.xml><?xml version="1.0" encoding="utf-8"?>
 <p:sld xmlns:a="http://schemas.openxmlformats.org/drawingml/2006/main" xmlns:r="http://schemas.openxmlformats.org/officeDocument/2006/relationships" xmlns:p="http://schemas.openxmlformats.org/presentationml/2006/main" show="0">
   <p:cSld>
     <p:spTree>
@@ -26981,7 +27300,7 @@
 </p:sld>
 </file>
 
-<file path=ppt/slides/slide49.xml><?xml version="1.0" encoding="utf-8"?>
+<file path=ppt/slides/slide53.xml><?xml version="1.0" encoding="utf-8"?>
 <p:sld xmlns:a="http://schemas.openxmlformats.org/drawingml/2006/main" xmlns:r="http://schemas.openxmlformats.org/officeDocument/2006/relationships" xmlns:p="http://schemas.openxmlformats.org/presentationml/2006/main">
   <p:cSld>
     <p:spTree>
@@ -27020,7 +27339,7 @@
         </p:blipFill>
         <p:spPr>
           <a:xfrm>
-            <a:off x="0" y="0"/>
+            <a:off x="0" y="-47625"/>
             <a:ext cx="9144000" cy="5954397"/>
           </a:xfrm>
           <a:prstGeom prst="rect">
@@ -27028,6 +27347,83 @@
           </a:prstGeom>
         </p:spPr>
       </p:pic>
+      <p:sp>
+        <p:nvSpPr>
+          <p:cNvPr id="3" name="TextBox 2">
+            <a:extLst>
+              <a:ext uri="{FF2B5EF4-FFF2-40B4-BE49-F238E27FC236}">
+                <a16:creationId xmlns:a16="http://schemas.microsoft.com/office/drawing/2014/main" id="{9BC8A054-DB57-4ED7-5A24-BE95F04DBD34}"/>
+              </a:ext>
+            </a:extLst>
+          </p:cNvPr>
+          <p:cNvSpPr txBox="1"/>
+          <p:nvPr/>
+        </p:nvSpPr>
+        <p:spPr>
+          <a:xfrm>
+            <a:off x="4267200" y="3124200"/>
+            <a:ext cx="4980851" cy="2308324"/>
+          </a:xfrm>
+          <a:prstGeom prst="rect">
+            <a:avLst/>
+          </a:prstGeom>
+          <a:noFill/>
+        </p:spPr>
+        <p:txBody>
+          <a:bodyPr wrap="none" rtlCol="0">
+            <a:spAutoFit/>
+          </a:bodyPr>
+          <a:lstStyle/>
+          <a:p>
+            <a:r>
+              <a:rPr lang="en-GB" dirty="0">
+                <a:latin typeface="Candara" panose="020E0502030303020204" pitchFamily="34" charset="0"/>
+              </a:rPr>
+              <a:t>Two effects:</a:t>
+            </a:r>
+          </a:p>
+          <a:p>
+            <a:r>
+              <a:rPr lang="en-GB" dirty="0">
+                <a:latin typeface="Candara" panose="020E0502030303020204" pitchFamily="34" charset="0"/>
+              </a:rPr>
+              <a:t>-Air pollution policy takes away some</a:t>
+            </a:r>
+          </a:p>
+          <a:p>
+            <a:r>
+              <a:rPr lang="en-GB" dirty="0">
+                <a:latin typeface="Candara" panose="020E0502030303020204" pitchFamily="34" charset="0"/>
+              </a:rPr>
+              <a:t>of the secondary benefit;</a:t>
+            </a:r>
+          </a:p>
+          <a:p>
+            <a:r>
+              <a:rPr lang="en-GB" dirty="0">
+                <a:latin typeface="Candara" panose="020E0502030303020204" pitchFamily="34" charset="0"/>
+              </a:rPr>
+              <a:t>-There is a reduction in the cost of</a:t>
+            </a:r>
+          </a:p>
+          <a:p>
+            <a:r>
+              <a:rPr lang="en-GB" dirty="0">
+                <a:latin typeface="Candara" panose="020E0502030303020204" pitchFamily="34" charset="0"/>
+              </a:rPr>
+              <a:t>climate policy, as the cost is shifted</a:t>
+            </a:r>
+          </a:p>
+          <a:p>
+            <a:r>
+              <a:rPr lang="en-GB" dirty="0">
+                <a:latin typeface="Candara" panose="020E0502030303020204" pitchFamily="34" charset="0"/>
+              </a:rPr>
+              <a:t>to air pollution policy.</a:t>
+            </a:r>
+          </a:p>
+        </p:txBody>
+      </p:sp>
     </p:spTree>
     <p:extLst>
       <p:ext uri="{BB962C8B-B14F-4D97-AF65-F5344CB8AC3E}">
@@ -27041,73 +27437,7 @@
 </p:sld>
 </file>
 
-<file path=ppt/slides/slide5.xml><?xml version="1.0" encoding="utf-8"?>
-<p:sld xmlns:a="http://schemas.openxmlformats.org/drawingml/2006/main" xmlns:r="http://schemas.openxmlformats.org/officeDocument/2006/relationships" xmlns:p="http://schemas.openxmlformats.org/presentationml/2006/main">
-  <p:cSld>
-    <p:spTree>
-      <p:nvGrpSpPr>
-        <p:cNvPr id="1" name=""/>
-        <p:cNvGrpSpPr/>
-        <p:nvPr/>
-      </p:nvGrpSpPr>
-      <p:grpSpPr>
-        <a:xfrm>
-          <a:off x="0" y="0"/>
-          <a:ext cx="0" cy="0"/>
-          <a:chOff x="0" y="0"/>
-          <a:chExt cx="0" cy="0"/>
-        </a:xfrm>
-      </p:grpSpPr>
-      <p:pic>
-        <p:nvPicPr>
-          <p:cNvPr id="3" name="Picture 2">
-            <a:extLst>
-              <a:ext uri="{FF2B5EF4-FFF2-40B4-BE49-F238E27FC236}">
-                <a16:creationId xmlns:a16="http://schemas.microsoft.com/office/drawing/2014/main" id="{53C1047E-FDCA-49A2-B5F2-34EA0FC4417B}"/>
-              </a:ext>
-            </a:extLst>
-          </p:cNvPr>
-          <p:cNvPicPr>
-            <a:picLocks noChangeAspect="1"/>
-          </p:cNvPicPr>
-          <p:nvPr/>
-        </p:nvPicPr>
-        <p:blipFill>
-          <a:blip r:embed="rId2">
-            <a:extLst>
-              <a:ext uri="{28A0092B-C50C-407E-A947-70E740481C1C}">
-                <a14:useLocalDpi xmlns:a14="http://schemas.microsoft.com/office/drawing/2010/main" val="0"/>
-              </a:ext>
-            </a:extLst>
-          </a:blip>
-          <a:stretch>
-            <a:fillRect/>
-          </a:stretch>
-        </p:blipFill>
-        <p:spPr>
-          <a:xfrm>
-            <a:off x="1066800" y="0"/>
-            <a:ext cx="7315200" cy="6751062"/>
-          </a:xfrm>
-          <a:prstGeom prst="rect">
-            <a:avLst/>
-          </a:prstGeom>
-        </p:spPr>
-      </p:pic>
-    </p:spTree>
-    <p:extLst>
-      <p:ext uri="{BB962C8B-B14F-4D97-AF65-F5344CB8AC3E}">
-        <p14:creationId xmlns:p14="http://schemas.microsoft.com/office/powerpoint/2010/main" val="525749112"/>
-      </p:ext>
-    </p:extLst>
-  </p:cSld>
-  <p:clrMapOvr>
-    <a:masterClrMapping/>
-  </p:clrMapOvr>
-</p:sld>
-</file>
-
-<file path=ppt/slides/slide50.xml><?xml version="1.0" encoding="utf-8"?>
+<file path=ppt/slides/slide54.xml><?xml version="1.0" encoding="utf-8"?>
 <p:sld xmlns:a="http://schemas.openxmlformats.org/drawingml/2006/main" xmlns:r="http://schemas.openxmlformats.org/officeDocument/2006/relationships" xmlns:p="http://schemas.openxmlformats.org/presentationml/2006/main">
   <p:cSld>
     <p:spTree>
